--- a/Отчет/speech.pptx
+++ b/Отчет/speech.pptx
@@ -4,6 +4,9 @@
   <p:sldMasterIdLst>
     <p:sldMasterId id="2147483648" r:id="rId1"/>
   </p:sldMasterIdLst>
+  <p:notesMasterIdLst>
+    <p:notesMasterId r:id="rId6"/>
+  </p:notesMasterIdLst>
   <p:sldIdLst>
     <p:sldId id="257" r:id="rId2"/>
     <p:sldId id="317" r:id="rId3"/>
@@ -107,7 +110,665 @@
       </a:defRPr>
     </a:lvl9pPr>
   </p:defaultTextStyle>
+  <p:extLst>
+    <p:ext uri="{EFAFB233-063F-42B5-8137-9DF3F51BA10A}">
+      <p15:sldGuideLst xmlns:p15="http://schemas.microsoft.com/office/powerpoint/2012/main"/>
+    </p:ext>
+  </p:extLst>
 </p:presentation>
+</file>
+
+<file path=ppt/notesMasters/notesMaster1.xml><?xml version="1.0" encoding="utf-8"?>
+<p:notesMaster xmlns:a="http://schemas.openxmlformats.org/drawingml/2006/main" xmlns:r="http://schemas.openxmlformats.org/officeDocument/2006/relationships" xmlns:p="http://schemas.openxmlformats.org/presentationml/2006/main">
+  <p:cSld>
+    <p:bg>
+      <p:bgRef idx="1001">
+        <a:schemeClr val="bg1"/>
+      </p:bgRef>
+    </p:bg>
+    <p:spTree>
+      <p:nvGrpSpPr>
+        <p:cNvPr id="1" name=""/>
+        <p:cNvGrpSpPr/>
+        <p:nvPr/>
+      </p:nvGrpSpPr>
+      <p:grpSpPr>
+        <a:xfrm>
+          <a:off x="0" y="0"/>
+          <a:ext cx="0" cy="0"/>
+          <a:chOff x="0" y="0"/>
+          <a:chExt cx="0" cy="0"/>
+        </a:xfrm>
+      </p:grpSpPr>
+      <p:sp>
+        <p:nvSpPr>
+          <p:cNvPr id="2" name="Верхний колонтитул 1"/>
+          <p:cNvSpPr>
+            <a:spLocks noGrp="1"/>
+          </p:cNvSpPr>
+          <p:nvPr>
+            <p:ph type="hdr" sz="quarter"/>
+          </p:nvPr>
+        </p:nvSpPr>
+        <p:spPr>
+          <a:xfrm>
+            <a:off x="0" y="0"/>
+            <a:ext cx="2971800" cy="458788"/>
+          </a:xfrm>
+          <a:prstGeom prst="rect">
+            <a:avLst/>
+          </a:prstGeom>
+        </p:spPr>
+        <p:txBody>
+          <a:bodyPr vert="horz" lIns="91440" tIns="45720" rIns="91440" bIns="45720" rtlCol="0"/>
+          <a:lstStyle>
+            <a:lvl1pPr algn="l">
+              <a:defRPr sz="1200"/>
+            </a:lvl1pPr>
+          </a:lstStyle>
+          <a:p>
+            <a:endParaRPr lang="ru-RU"/>
+          </a:p>
+        </p:txBody>
+      </p:sp>
+      <p:sp>
+        <p:nvSpPr>
+          <p:cNvPr id="3" name="Дата 2"/>
+          <p:cNvSpPr>
+            <a:spLocks noGrp="1"/>
+          </p:cNvSpPr>
+          <p:nvPr>
+            <p:ph type="dt" idx="1"/>
+          </p:nvPr>
+        </p:nvSpPr>
+        <p:spPr>
+          <a:xfrm>
+            <a:off x="3884613" y="0"/>
+            <a:ext cx="2971800" cy="458788"/>
+          </a:xfrm>
+          <a:prstGeom prst="rect">
+            <a:avLst/>
+          </a:prstGeom>
+        </p:spPr>
+        <p:txBody>
+          <a:bodyPr vert="horz" lIns="91440" tIns="45720" rIns="91440" bIns="45720" rtlCol="0"/>
+          <a:lstStyle>
+            <a:lvl1pPr algn="r">
+              <a:defRPr sz="1200"/>
+            </a:lvl1pPr>
+          </a:lstStyle>
+          <a:p>
+            <a:fld id="{8B82A444-7A35-48DA-B328-982FA082261C}" type="datetimeFigureOut">
+              <a:rPr lang="ru-RU" smtClean="0"/>
+              <a:t>15.12.2021</a:t>
+            </a:fld>
+            <a:endParaRPr lang="ru-RU"/>
+          </a:p>
+        </p:txBody>
+      </p:sp>
+      <p:sp>
+        <p:nvSpPr>
+          <p:cNvPr id="4" name="Образ слайда 3"/>
+          <p:cNvSpPr>
+            <a:spLocks noGrp="1" noRot="1" noChangeAspect="1"/>
+          </p:cNvSpPr>
+          <p:nvPr>
+            <p:ph type="sldImg" idx="2"/>
+          </p:nvPr>
+        </p:nvSpPr>
+        <p:spPr>
+          <a:xfrm>
+            <a:off x="685800" y="1143000"/>
+            <a:ext cx="5486400" cy="3086100"/>
+          </a:xfrm>
+          <a:prstGeom prst="rect">
+            <a:avLst/>
+          </a:prstGeom>
+          <a:noFill/>
+          <a:ln w="12700">
+            <a:solidFill>
+              <a:prstClr val="black"/>
+            </a:solidFill>
+          </a:ln>
+        </p:spPr>
+        <p:txBody>
+          <a:bodyPr vert="horz" lIns="91440" tIns="45720" rIns="91440" bIns="45720" rtlCol="0" anchor="ctr"/>
+          <a:lstStyle/>
+          <a:p>
+            <a:endParaRPr lang="ru-RU"/>
+          </a:p>
+        </p:txBody>
+      </p:sp>
+      <p:sp>
+        <p:nvSpPr>
+          <p:cNvPr id="5" name="Заметки 4"/>
+          <p:cNvSpPr>
+            <a:spLocks noGrp="1"/>
+          </p:cNvSpPr>
+          <p:nvPr>
+            <p:ph type="body" sz="quarter" idx="3"/>
+          </p:nvPr>
+        </p:nvSpPr>
+        <p:spPr>
+          <a:xfrm>
+            <a:off x="685800" y="4400550"/>
+            <a:ext cx="5486400" cy="3600450"/>
+          </a:xfrm>
+          <a:prstGeom prst="rect">
+            <a:avLst/>
+          </a:prstGeom>
+        </p:spPr>
+        <p:txBody>
+          <a:bodyPr vert="horz" lIns="91440" tIns="45720" rIns="91440" bIns="45720" rtlCol="0"/>
+          <a:lstStyle/>
+          <a:p>
+            <a:pPr lvl="0"/>
+            <a:r>
+              <a:rPr lang="ru-RU"/>
+              <a:t>Образец текста</a:t>
+            </a:r>
+          </a:p>
+          <a:p>
+            <a:pPr lvl="1"/>
+            <a:r>
+              <a:rPr lang="ru-RU"/>
+              <a:t>Второй уровень</a:t>
+            </a:r>
+          </a:p>
+          <a:p>
+            <a:pPr lvl="2"/>
+            <a:r>
+              <a:rPr lang="ru-RU"/>
+              <a:t>Третий уровень</a:t>
+            </a:r>
+          </a:p>
+          <a:p>
+            <a:pPr lvl="3"/>
+            <a:r>
+              <a:rPr lang="ru-RU"/>
+              <a:t>Четвертый уровень</a:t>
+            </a:r>
+          </a:p>
+          <a:p>
+            <a:pPr lvl="4"/>
+            <a:r>
+              <a:rPr lang="ru-RU"/>
+              <a:t>Пятый уровень</a:t>
+            </a:r>
+          </a:p>
+        </p:txBody>
+      </p:sp>
+      <p:sp>
+        <p:nvSpPr>
+          <p:cNvPr id="6" name="Нижний колонтитул 5"/>
+          <p:cNvSpPr>
+            <a:spLocks noGrp="1"/>
+          </p:cNvSpPr>
+          <p:nvPr>
+            <p:ph type="ftr" sz="quarter" idx="4"/>
+          </p:nvPr>
+        </p:nvSpPr>
+        <p:spPr>
+          <a:xfrm>
+            <a:off x="0" y="8685213"/>
+            <a:ext cx="2971800" cy="458787"/>
+          </a:xfrm>
+          <a:prstGeom prst="rect">
+            <a:avLst/>
+          </a:prstGeom>
+        </p:spPr>
+        <p:txBody>
+          <a:bodyPr vert="horz" lIns="91440" tIns="45720" rIns="91440" bIns="45720" rtlCol="0" anchor="b"/>
+          <a:lstStyle>
+            <a:lvl1pPr algn="l">
+              <a:defRPr sz="1200"/>
+            </a:lvl1pPr>
+          </a:lstStyle>
+          <a:p>
+            <a:endParaRPr lang="ru-RU"/>
+          </a:p>
+        </p:txBody>
+      </p:sp>
+      <p:sp>
+        <p:nvSpPr>
+          <p:cNvPr id="7" name="Номер слайда 6"/>
+          <p:cNvSpPr>
+            <a:spLocks noGrp="1"/>
+          </p:cNvSpPr>
+          <p:nvPr>
+            <p:ph type="sldNum" sz="quarter" idx="5"/>
+          </p:nvPr>
+        </p:nvSpPr>
+        <p:spPr>
+          <a:xfrm>
+            <a:off x="3884613" y="8685213"/>
+            <a:ext cx="2971800" cy="458787"/>
+          </a:xfrm>
+          <a:prstGeom prst="rect">
+            <a:avLst/>
+          </a:prstGeom>
+        </p:spPr>
+        <p:txBody>
+          <a:bodyPr vert="horz" lIns="91440" tIns="45720" rIns="91440" bIns="45720" rtlCol="0" anchor="b"/>
+          <a:lstStyle>
+            <a:lvl1pPr algn="r">
+              <a:defRPr sz="1200"/>
+            </a:lvl1pPr>
+          </a:lstStyle>
+          <a:p>
+            <a:fld id="{19BEF0AD-2EB4-4EDF-B0D5-693549730528}" type="slidenum">
+              <a:rPr lang="ru-RU" smtClean="0"/>
+              <a:t>‹#›</a:t>
+            </a:fld>
+            <a:endParaRPr lang="ru-RU"/>
+          </a:p>
+        </p:txBody>
+      </p:sp>
+    </p:spTree>
+    <p:extLst>
+      <p:ext uri="{BB962C8B-B14F-4D97-AF65-F5344CB8AC3E}">
+        <p14:creationId xmlns:p14="http://schemas.microsoft.com/office/powerpoint/2010/main" val="1194513709"/>
+      </p:ext>
+    </p:extLst>
+  </p:cSld>
+  <p:clrMap bg1="lt1" tx1="dk1" bg2="lt2" tx2="dk2" accent1="accent1" accent2="accent2" accent3="accent3" accent4="accent4" accent5="accent5" accent6="accent6" hlink="hlink" folHlink="folHlink"/>
+  <p:notesStyle>
+    <a:lvl1pPr marL="0" algn="l" defTabSz="914400" rtl="0" eaLnBrk="1" latinLnBrk="0" hangingPunct="1">
+      <a:defRPr sz="1200" kern="1200">
+        <a:solidFill>
+          <a:schemeClr val="tx1"/>
+        </a:solidFill>
+        <a:latin typeface="+mn-lt"/>
+        <a:ea typeface="+mn-ea"/>
+        <a:cs typeface="+mn-cs"/>
+      </a:defRPr>
+    </a:lvl1pPr>
+    <a:lvl2pPr marL="457200" algn="l" defTabSz="914400" rtl="0" eaLnBrk="1" latinLnBrk="0" hangingPunct="1">
+      <a:defRPr sz="1200" kern="1200">
+        <a:solidFill>
+          <a:schemeClr val="tx1"/>
+        </a:solidFill>
+        <a:latin typeface="+mn-lt"/>
+        <a:ea typeface="+mn-ea"/>
+        <a:cs typeface="+mn-cs"/>
+      </a:defRPr>
+    </a:lvl2pPr>
+    <a:lvl3pPr marL="914400" algn="l" defTabSz="914400" rtl="0" eaLnBrk="1" latinLnBrk="0" hangingPunct="1">
+      <a:defRPr sz="1200" kern="1200">
+        <a:solidFill>
+          <a:schemeClr val="tx1"/>
+        </a:solidFill>
+        <a:latin typeface="+mn-lt"/>
+        <a:ea typeface="+mn-ea"/>
+        <a:cs typeface="+mn-cs"/>
+      </a:defRPr>
+    </a:lvl3pPr>
+    <a:lvl4pPr marL="1371600" algn="l" defTabSz="914400" rtl="0" eaLnBrk="1" latinLnBrk="0" hangingPunct="1">
+      <a:defRPr sz="1200" kern="1200">
+        <a:solidFill>
+          <a:schemeClr val="tx1"/>
+        </a:solidFill>
+        <a:latin typeface="+mn-lt"/>
+        <a:ea typeface="+mn-ea"/>
+        <a:cs typeface="+mn-cs"/>
+      </a:defRPr>
+    </a:lvl4pPr>
+    <a:lvl5pPr marL="1828800" algn="l" defTabSz="914400" rtl="0" eaLnBrk="1" latinLnBrk="0" hangingPunct="1">
+      <a:defRPr sz="1200" kern="1200">
+        <a:solidFill>
+          <a:schemeClr val="tx1"/>
+        </a:solidFill>
+        <a:latin typeface="+mn-lt"/>
+        <a:ea typeface="+mn-ea"/>
+        <a:cs typeface="+mn-cs"/>
+      </a:defRPr>
+    </a:lvl5pPr>
+    <a:lvl6pPr marL="2286000" algn="l" defTabSz="914400" rtl="0" eaLnBrk="1" latinLnBrk="0" hangingPunct="1">
+      <a:defRPr sz="1200" kern="1200">
+        <a:solidFill>
+          <a:schemeClr val="tx1"/>
+        </a:solidFill>
+        <a:latin typeface="+mn-lt"/>
+        <a:ea typeface="+mn-ea"/>
+        <a:cs typeface="+mn-cs"/>
+      </a:defRPr>
+    </a:lvl6pPr>
+    <a:lvl7pPr marL="2743200" algn="l" defTabSz="914400" rtl="0" eaLnBrk="1" latinLnBrk="0" hangingPunct="1">
+      <a:defRPr sz="1200" kern="1200">
+        <a:solidFill>
+          <a:schemeClr val="tx1"/>
+        </a:solidFill>
+        <a:latin typeface="+mn-lt"/>
+        <a:ea typeface="+mn-ea"/>
+        <a:cs typeface="+mn-cs"/>
+      </a:defRPr>
+    </a:lvl7pPr>
+    <a:lvl8pPr marL="3200400" algn="l" defTabSz="914400" rtl="0" eaLnBrk="1" latinLnBrk="0" hangingPunct="1">
+      <a:defRPr sz="1200" kern="1200">
+        <a:solidFill>
+          <a:schemeClr val="tx1"/>
+        </a:solidFill>
+        <a:latin typeface="+mn-lt"/>
+        <a:ea typeface="+mn-ea"/>
+        <a:cs typeface="+mn-cs"/>
+      </a:defRPr>
+    </a:lvl8pPr>
+    <a:lvl9pPr marL="3657600" algn="l" defTabSz="914400" rtl="0" eaLnBrk="1" latinLnBrk="0" hangingPunct="1">
+      <a:defRPr sz="1200" kern="1200">
+        <a:solidFill>
+          <a:schemeClr val="tx1"/>
+        </a:solidFill>
+        <a:latin typeface="+mn-lt"/>
+        <a:ea typeface="+mn-ea"/>
+        <a:cs typeface="+mn-cs"/>
+      </a:defRPr>
+    </a:lvl9pPr>
+  </p:notesStyle>
+</p:notesMaster>
+</file>
+
+<file path=ppt/notesSlides/notesSlide1.xml><?xml version="1.0" encoding="utf-8"?>
+<p:notes xmlns:a="http://schemas.openxmlformats.org/drawingml/2006/main" xmlns:r="http://schemas.openxmlformats.org/officeDocument/2006/relationships" xmlns:p="http://schemas.openxmlformats.org/presentationml/2006/main">
+  <p:cSld>
+    <p:spTree>
+      <p:nvGrpSpPr>
+        <p:cNvPr id="1" name=""/>
+        <p:cNvGrpSpPr/>
+        <p:nvPr/>
+      </p:nvGrpSpPr>
+      <p:grpSpPr>
+        <a:xfrm>
+          <a:off x="0" y="0"/>
+          <a:ext cx="0" cy="0"/>
+          <a:chOff x="0" y="0"/>
+          <a:chExt cx="0" cy="0"/>
+        </a:xfrm>
+      </p:grpSpPr>
+      <p:sp>
+        <p:nvSpPr>
+          <p:cNvPr id="2" name="Образ слайда 1"/>
+          <p:cNvSpPr>
+            <a:spLocks noGrp="1" noRot="1" noChangeAspect="1"/>
+          </p:cNvSpPr>
+          <p:nvPr>
+            <p:ph type="sldImg"/>
+          </p:nvPr>
+        </p:nvSpPr>
+        <p:spPr/>
+      </p:sp>
+      <p:sp>
+        <p:nvSpPr>
+          <p:cNvPr id="3" name="Заметки 2"/>
+          <p:cNvSpPr>
+            <a:spLocks noGrp="1"/>
+          </p:cNvSpPr>
+          <p:nvPr>
+            <p:ph type="body" idx="1"/>
+          </p:nvPr>
+        </p:nvSpPr>
+        <p:spPr/>
+        <p:txBody>
+          <a:bodyPr/>
+          <a:lstStyle/>
+          <a:p>
+            <a:pPr marL="228600" indent="-228600">
+              <a:buAutoNum type="arabicParenR"/>
+            </a:pPr>
+            <a:r>
+              <a:rPr lang="ru-RU" dirty="0"/>
+              <a:t>Актуальность – с ростом глобализации и цифровизации появилась возможность работать с потребительскими данными, активно взаимодействовать с потребителями путем разных акций, особых предложений. Чтобы клиент не забывал о поставщике потребительских услуг, производитель может напомнить о себе посредством коммуникации. Но стоит взять во внимание, что каждая коммуникация стоит денег. Если клиентская база составляет 1 </a:t>
+            </a:r>
+            <a:r>
+              <a:rPr lang="ru-RU" dirty="0" err="1"/>
+              <a:t>тыс</a:t>
+            </a:r>
+            <a:r>
+              <a:rPr lang="ru-RU" dirty="0"/>
+              <a:t> клиентов, то прислать всем </a:t>
+            </a:r>
+            <a:r>
+              <a:rPr lang="en-US" dirty="0"/>
+              <a:t>SMS </a:t>
+            </a:r>
+            <a:r>
+              <a:rPr lang="ru-RU" dirty="0"/>
+              <a:t>стоит не дорого. Но что если база составляет миллион? А если несколько миллионов? Даже если у компании большой оборот выручки, каждая такая коммуникация будет ощутимо сказываться на общем бюджете. Поэтому коммуникацию можно использовать гораздо более оптимальным способом. Например, преждевременно предотвращать уход покупателя. </a:t>
+            </a:r>
+            <a:endParaRPr lang="en-US" dirty="0"/>
+          </a:p>
+          <a:p>
+            <a:pPr marL="685800" lvl="1" indent="-228600">
+              <a:buAutoNum type="arabicParenR"/>
+            </a:pPr>
+            <a:endParaRPr lang="ru-RU" dirty="0"/>
+          </a:p>
+        </p:txBody>
+      </p:sp>
+      <p:sp>
+        <p:nvSpPr>
+          <p:cNvPr id="4" name="Номер слайда 3"/>
+          <p:cNvSpPr>
+            <a:spLocks noGrp="1"/>
+          </p:cNvSpPr>
+          <p:nvPr>
+            <p:ph type="sldNum" sz="quarter" idx="5"/>
+          </p:nvPr>
+        </p:nvSpPr>
+        <p:spPr/>
+        <p:txBody>
+          <a:bodyPr/>
+          <a:lstStyle/>
+          <a:p>
+            <a:fld id="{19BEF0AD-2EB4-4EDF-B0D5-693549730528}" type="slidenum">
+              <a:rPr lang="ru-RU" smtClean="0"/>
+              <a:t>2</a:t>
+            </a:fld>
+            <a:endParaRPr lang="ru-RU"/>
+          </a:p>
+        </p:txBody>
+      </p:sp>
+    </p:spTree>
+    <p:extLst>
+      <p:ext uri="{BB962C8B-B14F-4D97-AF65-F5344CB8AC3E}">
+        <p14:creationId xmlns:p14="http://schemas.microsoft.com/office/powerpoint/2010/main" val="355580051"/>
+      </p:ext>
+    </p:extLst>
+  </p:cSld>
+  <p:clrMapOvr>
+    <a:masterClrMapping/>
+  </p:clrMapOvr>
+</p:notes>
+</file>
+
+<file path=ppt/notesSlides/notesSlide2.xml><?xml version="1.0" encoding="utf-8"?>
+<p:notes xmlns:a="http://schemas.openxmlformats.org/drawingml/2006/main" xmlns:r="http://schemas.openxmlformats.org/officeDocument/2006/relationships" xmlns:p="http://schemas.openxmlformats.org/presentationml/2006/main">
+  <p:cSld>
+    <p:spTree>
+      <p:nvGrpSpPr>
+        <p:cNvPr id="1" name=""/>
+        <p:cNvGrpSpPr/>
+        <p:nvPr/>
+      </p:nvGrpSpPr>
+      <p:grpSpPr>
+        <a:xfrm>
+          <a:off x="0" y="0"/>
+          <a:ext cx="0" cy="0"/>
+          <a:chOff x="0" y="0"/>
+          <a:chExt cx="0" cy="0"/>
+        </a:xfrm>
+      </p:grpSpPr>
+      <p:sp>
+        <p:nvSpPr>
+          <p:cNvPr id="2" name="Образ слайда 1"/>
+          <p:cNvSpPr>
+            <a:spLocks noGrp="1" noRot="1" noChangeAspect="1"/>
+          </p:cNvSpPr>
+          <p:nvPr>
+            <p:ph type="sldImg"/>
+          </p:nvPr>
+        </p:nvSpPr>
+        <p:spPr/>
+      </p:sp>
+      <p:sp>
+        <p:nvSpPr>
+          <p:cNvPr id="3" name="Заметки 2"/>
+          <p:cNvSpPr>
+            <a:spLocks noGrp="1"/>
+          </p:cNvSpPr>
+          <p:nvPr>
+            <p:ph type="body" idx="1"/>
+          </p:nvPr>
+        </p:nvSpPr>
+        <p:spPr/>
+        <p:txBody>
+          <a:bodyPr/>
+          <a:lstStyle/>
+          <a:p>
+            <a:pPr marL="228600" indent="-228600">
+              <a:buAutoNum type="arabicParenR"/>
+            </a:pPr>
+            <a:r>
+              <a:rPr lang="ru-RU" dirty="0"/>
+              <a:t>Источники</a:t>
+            </a:r>
+            <a:r>
+              <a:rPr lang="en-US" dirty="0"/>
+              <a:t>:</a:t>
+            </a:r>
+          </a:p>
+          <a:p>
+            <a:pPr marL="685800" lvl="1" indent="-228600">
+              <a:buAutoNum type="arabicParenR"/>
+            </a:pPr>
+            <a:r>
+              <a:rPr lang="en-US" dirty="0"/>
+              <a:t>Kaggle</a:t>
+            </a:r>
+          </a:p>
+          <a:p>
+            <a:pPr marL="685800" lvl="1" indent="-228600">
+              <a:buAutoNum type="arabicParenR"/>
+            </a:pPr>
+            <a:r>
+              <a:rPr lang="ru-RU" dirty="0"/>
+              <a:t>Работа</a:t>
+            </a:r>
+          </a:p>
+          <a:p>
+            <a:pPr marL="685800" lvl="1" indent="-228600">
+              <a:buAutoNum type="arabicParenR"/>
+            </a:pPr>
+            <a:r>
+              <a:rPr lang="ru-RU" dirty="0"/>
+              <a:t>Иные источники (данные работы двигателей</a:t>
+            </a:r>
+            <a:r>
+              <a:rPr lang="en-US" dirty="0"/>
+              <a:t>)</a:t>
+            </a:r>
+            <a:endParaRPr lang="ru-RU" dirty="0"/>
+          </a:p>
+          <a:p>
+            <a:pPr marL="457200" lvl="1" indent="0">
+              <a:buNone/>
+            </a:pPr>
+            <a:endParaRPr lang="ru-RU" dirty="0"/>
+          </a:p>
+          <a:p>
+            <a:pPr marL="457200" lvl="1" indent="0">
+              <a:buNone/>
+            </a:pPr>
+            <a:endParaRPr lang="en-US" dirty="0"/>
+          </a:p>
+          <a:p>
+            <a:pPr marL="228600" lvl="0" indent="-228600">
+              <a:buAutoNum type="arabicParenR"/>
+            </a:pPr>
+            <a:r>
+              <a:rPr lang="ru-RU" dirty="0"/>
+              <a:t>Методы решения</a:t>
+            </a:r>
+            <a:r>
+              <a:rPr lang="en-US" dirty="0"/>
+              <a:t>:</a:t>
+            </a:r>
+          </a:p>
+          <a:p>
+            <a:pPr marL="685800" lvl="1" indent="-228600">
+              <a:buAutoNum type="arabicParenR"/>
+            </a:pPr>
+            <a:r>
+              <a:rPr lang="ru-RU" dirty="0"/>
+              <a:t>Аналитически</a:t>
+            </a:r>
+            <a:r>
+              <a:rPr lang="en-US" dirty="0"/>
+              <a:t>:</a:t>
+            </a:r>
+          </a:p>
+          <a:p>
+            <a:pPr marL="1143000" lvl="2" indent="-228600">
+              <a:buAutoNum type="arabicParenR"/>
+            </a:pPr>
+            <a:r>
+              <a:rPr lang="ru-RU" dirty="0"/>
+              <a:t>Сегментация клиентов по признакам</a:t>
+            </a:r>
+            <a:r>
+              <a:rPr lang="en-US" dirty="0"/>
+              <a:t>, </a:t>
+            </a:r>
+            <a:r>
+              <a:rPr lang="ru-RU" dirty="0"/>
+              <a:t>статистическое время жизни клиентов (Например, средний срок пользования продукцией 2 года – следовательно нужно рассылать выгодные предложения каждые 1.5 года.</a:t>
+            </a:r>
+          </a:p>
+          <a:p>
+            <a:pPr marL="1143000" lvl="2" indent="-228600">
+              <a:buAutoNum type="arabicParenR"/>
+            </a:pPr>
+            <a:r>
+              <a:rPr lang="ru-RU" dirty="0"/>
+              <a:t>С помощью  машинного обучения на основе исторических данных.</a:t>
+            </a:r>
+            <a:endParaRPr lang="en-US" dirty="0"/>
+          </a:p>
+        </p:txBody>
+      </p:sp>
+      <p:sp>
+        <p:nvSpPr>
+          <p:cNvPr id="4" name="Номер слайда 3"/>
+          <p:cNvSpPr>
+            <a:spLocks noGrp="1"/>
+          </p:cNvSpPr>
+          <p:nvPr>
+            <p:ph type="sldNum" sz="quarter" idx="5"/>
+          </p:nvPr>
+        </p:nvSpPr>
+        <p:spPr/>
+        <p:txBody>
+          <a:bodyPr/>
+          <a:lstStyle/>
+          <a:p>
+            <a:fld id="{19BEF0AD-2EB4-4EDF-B0D5-693549730528}" type="slidenum">
+              <a:rPr lang="ru-RU" smtClean="0"/>
+              <a:t>4</a:t>
+            </a:fld>
+            <a:endParaRPr lang="ru-RU"/>
+          </a:p>
+        </p:txBody>
+      </p:sp>
+    </p:spTree>
+    <p:extLst>
+      <p:ext uri="{BB962C8B-B14F-4D97-AF65-F5344CB8AC3E}">
+        <p14:creationId xmlns:p14="http://schemas.microsoft.com/office/powerpoint/2010/main" val="126096018"/>
+      </p:ext>
+    </p:extLst>
+  </p:cSld>
+  <p:clrMapOvr>
+    <a:masterClrMapping/>
+  </p:clrMapOvr>
+</p:notes>
 </file>
 
 <file path=ppt/slideLayouts/slideLayout1.xml><?xml version="1.0" encoding="utf-8"?>
@@ -4244,10 +4905,10 @@
       </p:sp>
       <p:pic>
         <p:nvPicPr>
-          <p:cNvPr id="11" name="Рисунок 10">
-            <a:extLst>
-              <a:ext uri="{FF2B5EF4-FFF2-40B4-BE49-F238E27FC236}">
-                <a16:creationId xmlns:a16="http://schemas.microsoft.com/office/drawing/2014/main" id="{26DB90B5-4BD0-4EE5-A48A-889499428BC5}"/>
+          <p:cNvPr id="5" name="Рисунок 4">
+            <a:extLst>
+              <a:ext uri="{FF2B5EF4-FFF2-40B4-BE49-F238E27FC236}">
+                <a16:creationId xmlns:a16="http://schemas.microsoft.com/office/drawing/2014/main" id="{1CBD631C-F6DD-470C-AA1B-178C1A9406D0}"/>
               </a:ext>
             </a:extLst>
           </p:cNvPr>
@@ -4257,7 +4918,7 @@
           <p:nvPr/>
         </p:nvPicPr>
         <p:blipFill>
-          <a:blip r:embed="rId2">
+          <a:blip r:embed="rId3">
             <a:extLst>
               <a:ext uri="{28A0092B-C50C-407E-A947-70E740481C1C}">
                 <a14:useLocalDpi xmlns:a14="http://schemas.microsoft.com/office/drawing/2010/main" val="0"/>
@@ -4270,8 +4931,8 @@
         </p:blipFill>
         <p:spPr>
           <a:xfrm>
-            <a:off x="3046278" y="3034643"/>
-            <a:ext cx="5737800" cy="3007295"/>
+            <a:off x="2109537" y="2927514"/>
+            <a:ext cx="7972926" cy="3114424"/>
           </a:xfrm>
           <a:prstGeom prst="rect">
             <a:avLst/>
@@ -4518,7 +5179,7 @@
                   </a:schemeClr>
                 </a:solidFill>
               </a:rPr>
-              <a:t>Выбор используемых моделей и исследование их обучения</a:t>
+              <a:t>Выбор используемых моделей и исследование их качества работы</a:t>
             </a:r>
             <a:r>
               <a:rPr lang="en-US" sz="2400" dirty="0">
@@ -4728,6 +5389,42 @@
           </a:p>
         </p:txBody>
       </p:sp>
+      <p:pic>
+        <p:nvPicPr>
+          <p:cNvPr id="8" name="Рисунок 7">
+            <a:extLst>
+              <a:ext uri="{FF2B5EF4-FFF2-40B4-BE49-F238E27FC236}">
+                <a16:creationId xmlns:a16="http://schemas.microsoft.com/office/drawing/2014/main" id="{6D7FCFA8-8A01-429C-B4C4-6ACA29F13F9F}"/>
+              </a:ext>
+            </a:extLst>
+          </p:cNvPr>
+          <p:cNvPicPr>
+            <a:picLocks noChangeAspect="1"/>
+          </p:cNvPicPr>
+          <p:nvPr/>
+        </p:nvPicPr>
+        <p:blipFill>
+          <a:blip r:embed="rId3">
+            <a:extLst>
+              <a:ext uri="{28A0092B-C50C-407E-A947-70E740481C1C}">
+                <a14:useLocalDpi xmlns:a14="http://schemas.microsoft.com/office/drawing/2010/main" val="0"/>
+              </a:ext>
+            </a:extLst>
+          </a:blip>
+          <a:stretch>
+            <a:fillRect/>
+          </a:stretch>
+        </p:blipFill>
+        <p:spPr>
+          <a:xfrm>
+            <a:off x="2190668" y="3429000"/>
+            <a:ext cx="7810663" cy="2659978"/>
+          </a:xfrm>
+          <a:prstGeom prst="rect">
+            <a:avLst/>
+          </a:prstGeom>
+        </p:spPr>
+      </p:pic>
     </p:spTree>
     <p:extLst>
       <p:ext uri="{BB962C8B-B14F-4D97-AF65-F5344CB8AC3E}">
@@ -5034,4 +5731,299 @@
     </a:ext>
   </a:extLst>
 </a:theme>
+</file>
+
+<file path=ppt/theme/theme2.xml><?xml version="1.0" encoding="utf-8"?>
+<a:theme xmlns:a="http://schemas.openxmlformats.org/drawingml/2006/main" name="Тема Office">
+  <a:themeElements>
+    <a:clrScheme name="Стандартная">
+      <a:dk1>
+        <a:sysClr val="windowText" lastClr="000000"/>
+      </a:dk1>
+      <a:lt1>
+        <a:sysClr val="window" lastClr="FFFFFF"/>
+      </a:lt1>
+      <a:dk2>
+        <a:srgbClr val="44546A"/>
+      </a:dk2>
+      <a:lt2>
+        <a:srgbClr val="E7E6E6"/>
+      </a:lt2>
+      <a:accent1>
+        <a:srgbClr val="4472C4"/>
+      </a:accent1>
+      <a:accent2>
+        <a:srgbClr val="ED7D31"/>
+      </a:accent2>
+      <a:accent3>
+        <a:srgbClr val="A5A5A5"/>
+      </a:accent3>
+      <a:accent4>
+        <a:srgbClr val="FFC000"/>
+      </a:accent4>
+      <a:accent5>
+        <a:srgbClr val="5B9BD5"/>
+      </a:accent5>
+      <a:accent6>
+        <a:srgbClr val="70AD47"/>
+      </a:accent6>
+      <a:hlink>
+        <a:srgbClr val="0563C1"/>
+      </a:hlink>
+      <a:folHlink>
+        <a:srgbClr val="954F72"/>
+      </a:folHlink>
+    </a:clrScheme>
+    <a:fontScheme name="Стандартная">
+      <a:majorFont>
+        <a:latin typeface="Calibri Light" panose="020F0302020204030204"/>
+        <a:ea typeface=""/>
+        <a:cs typeface=""/>
+        <a:font script="Jpan" typeface="游ゴシック Light"/>
+        <a:font script="Hang" typeface="맑은 고딕"/>
+        <a:font script="Hans" typeface="等线 Light"/>
+        <a:font script="Hant" typeface="新細明體"/>
+        <a:font script="Arab" typeface="Times New Roman"/>
+        <a:font script="Hebr" typeface="Times New Roman"/>
+        <a:font script="Thai" typeface="Angsana New"/>
+        <a:font script="Ethi" typeface="Nyala"/>
+        <a:font script="Beng" typeface="Vrinda"/>
+        <a:font script="Gujr" typeface="Shruti"/>
+        <a:font script="Khmr" typeface="MoolBoran"/>
+        <a:font script="Knda" typeface="Tunga"/>
+        <a:font script="Guru" typeface="Raavi"/>
+        <a:font script="Cans" typeface="Euphemia"/>
+        <a:font script="Cher" typeface="Plantagenet Cherokee"/>
+        <a:font script="Yiii" typeface="Microsoft Yi Baiti"/>
+        <a:font script="Tibt" typeface="Microsoft Himalaya"/>
+        <a:font script="Thaa" typeface="MV Boli"/>
+        <a:font script="Deva" typeface="Mangal"/>
+        <a:font script="Telu" typeface="Gautami"/>
+        <a:font script="Taml" typeface="Latha"/>
+        <a:font script="Syrc" typeface="Estrangelo Edessa"/>
+        <a:font script="Orya" typeface="Kalinga"/>
+        <a:font script="Mlym" typeface="Kartika"/>
+        <a:font script="Laoo" typeface="DokChampa"/>
+        <a:font script="Sinh" typeface="Iskoola Pota"/>
+        <a:font script="Mong" typeface="Mongolian Baiti"/>
+        <a:font script="Viet" typeface="Times New Roman"/>
+        <a:font script="Uigh" typeface="Microsoft Uighur"/>
+        <a:font script="Geor" typeface="Sylfaen"/>
+        <a:font script="Armn" typeface="Arial"/>
+        <a:font script="Bugi" typeface="Leelawadee UI"/>
+        <a:font script="Bopo" typeface="Microsoft JhengHei"/>
+        <a:font script="Java" typeface="Javanese Text"/>
+        <a:font script="Lisu" typeface="Segoe UI"/>
+        <a:font script="Mymr" typeface="Myanmar Text"/>
+        <a:font script="Nkoo" typeface="Ebrima"/>
+        <a:font script="Olck" typeface="Nirmala UI"/>
+        <a:font script="Osma" typeface="Ebrima"/>
+        <a:font script="Phag" typeface="Phagspa"/>
+        <a:font script="Syrn" typeface="Estrangelo Edessa"/>
+        <a:font script="Syrj" typeface="Estrangelo Edessa"/>
+        <a:font script="Syre" typeface="Estrangelo Edessa"/>
+        <a:font script="Sora" typeface="Nirmala UI"/>
+        <a:font script="Tale" typeface="Microsoft Tai Le"/>
+        <a:font script="Talu" typeface="Microsoft New Tai Lue"/>
+        <a:font script="Tfng" typeface="Ebrima"/>
+      </a:majorFont>
+      <a:minorFont>
+        <a:latin typeface="Calibri" panose="020F0502020204030204"/>
+        <a:ea typeface=""/>
+        <a:cs typeface=""/>
+        <a:font script="Jpan" typeface="游ゴシック"/>
+        <a:font script="Hang" typeface="맑은 고딕"/>
+        <a:font script="Hans" typeface="等线"/>
+        <a:font script="Hant" typeface="新細明體"/>
+        <a:font script="Arab" typeface="Arial"/>
+        <a:font script="Hebr" typeface="Arial"/>
+        <a:font script="Thai" typeface="Cordia New"/>
+        <a:font script="Ethi" typeface="Nyala"/>
+        <a:font script="Beng" typeface="Vrinda"/>
+        <a:font script="Gujr" typeface="Shruti"/>
+        <a:font script="Khmr" typeface="DaunPenh"/>
+        <a:font script="Knda" typeface="Tunga"/>
+        <a:font script="Guru" typeface="Raavi"/>
+        <a:font script="Cans" typeface="Euphemia"/>
+        <a:font script="Cher" typeface="Plantagenet Cherokee"/>
+        <a:font script="Yiii" typeface="Microsoft Yi Baiti"/>
+        <a:font script="Tibt" typeface="Microsoft Himalaya"/>
+        <a:font script="Thaa" typeface="MV Boli"/>
+        <a:font script="Deva" typeface="Mangal"/>
+        <a:font script="Telu" typeface="Gautami"/>
+        <a:font script="Taml" typeface="Latha"/>
+        <a:font script="Syrc" typeface="Estrangelo Edessa"/>
+        <a:font script="Orya" typeface="Kalinga"/>
+        <a:font script="Mlym" typeface="Kartika"/>
+        <a:font script="Laoo" typeface="DokChampa"/>
+        <a:font script="Sinh" typeface="Iskoola Pota"/>
+        <a:font script="Mong" typeface="Mongolian Baiti"/>
+        <a:font script="Viet" typeface="Arial"/>
+        <a:font script="Uigh" typeface="Microsoft Uighur"/>
+        <a:font script="Geor" typeface="Sylfaen"/>
+        <a:font script="Armn" typeface="Arial"/>
+        <a:font script="Bugi" typeface="Leelawadee UI"/>
+        <a:font script="Bopo" typeface="Microsoft JhengHei"/>
+        <a:font script="Java" typeface="Javanese Text"/>
+        <a:font script="Lisu" typeface="Segoe UI"/>
+        <a:font script="Mymr" typeface="Myanmar Text"/>
+        <a:font script="Nkoo" typeface="Ebrima"/>
+        <a:font script="Olck" typeface="Nirmala UI"/>
+        <a:font script="Osma" typeface="Ebrima"/>
+        <a:font script="Phag" typeface="Phagspa"/>
+        <a:font script="Syrn" typeface="Estrangelo Edessa"/>
+        <a:font script="Syrj" typeface="Estrangelo Edessa"/>
+        <a:font script="Syre" typeface="Estrangelo Edessa"/>
+        <a:font script="Sora" typeface="Nirmala UI"/>
+        <a:font script="Tale" typeface="Microsoft Tai Le"/>
+        <a:font script="Talu" typeface="Microsoft New Tai Lue"/>
+        <a:font script="Tfng" typeface="Ebrima"/>
+      </a:minorFont>
+    </a:fontScheme>
+    <a:fmtScheme name="Стандартная">
+      <a:fillStyleLst>
+        <a:solidFill>
+          <a:schemeClr val="phClr"/>
+        </a:solidFill>
+        <a:gradFill rotWithShape="1">
+          <a:gsLst>
+            <a:gs pos="0">
+              <a:schemeClr val="phClr">
+                <a:lumMod val="110000"/>
+                <a:satMod val="105000"/>
+                <a:tint val="67000"/>
+              </a:schemeClr>
+            </a:gs>
+            <a:gs pos="50000">
+              <a:schemeClr val="phClr">
+                <a:lumMod val="105000"/>
+                <a:satMod val="103000"/>
+                <a:tint val="73000"/>
+              </a:schemeClr>
+            </a:gs>
+            <a:gs pos="100000">
+              <a:schemeClr val="phClr">
+                <a:lumMod val="105000"/>
+                <a:satMod val="109000"/>
+                <a:tint val="81000"/>
+              </a:schemeClr>
+            </a:gs>
+          </a:gsLst>
+          <a:lin ang="5400000" scaled="0"/>
+        </a:gradFill>
+        <a:gradFill rotWithShape="1">
+          <a:gsLst>
+            <a:gs pos="0">
+              <a:schemeClr val="phClr">
+                <a:satMod val="103000"/>
+                <a:lumMod val="102000"/>
+                <a:tint val="94000"/>
+              </a:schemeClr>
+            </a:gs>
+            <a:gs pos="50000">
+              <a:schemeClr val="phClr">
+                <a:satMod val="110000"/>
+                <a:lumMod val="100000"/>
+                <a:shade val="100000"/>
+              </a:schemeClr>
+            </a:gs>
+            <a:gs pos="100000">
+              <a:schemeClr val="phClr">
+                <a:lumMod val="99000"/>
+                <a:satMod val="120000"/>
+                <a:shade val="78000"/>
+              </a:schemeClr>
+            </a:gs>
+          </a:gsLst>
+          <a:lin ang="5400000" scaled="0"/>
+        </a:gradFill>
+      </a:fillStyleLst>
+      <a:lnStyleLst>
+        <a:ln w="6350" cap="flat" cmpd="sng" algn="ctr">
+          <a:solidFill>
+            <a:schemeClr val="phClr"/>
+          </a:solidFill>
+          <a:prstDash val="solid"/>
+          <a:miter lim="800000"/>
+        </a:ln>
+        <a:ln w="12700" cap="flat" cmpd="sng" algn="ctr">
+          <a:solidFill>
+            <a:schemeClr val="phClr"/>
+          </a:solidFill>
+          <a:prstDash val="solid"/>
+          <a:miter lim="800000"/>
+        </a:ln>
+        <a:ln w="19050" cap="flat" cmpd="sng" algn="ctr">
+          <a:solidFill>
+            <a:schemeClr val="phClr"/>
+          </a:solidFill>
+          <a:prstDash val="solid"/>
+          <a:miter lim="800000"/>
+        </a:ln>
+      </a:lnStyleLst>
+      <a:effectStyleLst>
+        <a:effectStyle>
+          <a:effectLst/>
+        </a:effectStyle>
+        <a:effectStyle>
+          <a:effectLst/>
+        </a:effectStyle>
+        <a:effectStyle>
+          <a:effectLst>
+            <a:outerShdw blurRad="57150" dist="19050" dir="5400000" algn="ctr" rotWithShape="0">
+              <a:srgbClr val="000000">
+                <a:alpha val="63000"/>
+              </a:srgbClr>
+            </a:outerShdw>
+          </a:effectLst>
+        </a:effectStyle>
+      </a:effectStyleLst>
+      <a:bgFillStyleLst>
+        <a:solidFill>
+          <a:schemeClr val="phClr"/>
+        </a:solidFill>
+        <a:solidFill>
+          <a:schemeClr val="phClr">
+            <a:tint val="95000"/>
+            <a:satMod val="170000"/>
+          </a:schemeClr>
+        </a:solidFill>
+        <a:gradFill rotWithShape="1">
+          <a:gsLst>
+            <a:gs pos="0">
+              <a:schemeClr val="phClr">
+                <a:tint val="93000"/>
+                <a:satMod val="150000"/>
+                <a:shade val="98000"/>
+                <a:lumMod val="102000"/>
+              </a:schemeClr>
+            </a:gs>
+            <a:gs pos="50000">
+              <a:schemeClr val="phClr">
+                <a:tint val="98000"/>
+                <a:satMod val="130000"/>
+                <a:shade val="90000"/>
+                <a:lumMod val="103000"/>
+              </a:schemeClr>
+            </a:gs>
+            <a:gs pos="100000">
+              <a:schemeClr val="phClr">
+                <a:shade val="63000"/>
+                <a:satMod val="120000"/>
+              </a:schemeClr>
+            </a:gs>
+          </a:gsLst>
+          <a:lin ang="5400000" scaled="0"/>
+        </a:gradFill>
+      </a:bgFillStyleLst>
+    </a:fmtScheme>
+  </a:themeElements>
+  <a:objectDefaults/>
+  <a:extraClrSchemeLst/>
+  <a:extLst>
+    <a:ext uri="{05A4C25C-085E-4340-85A3-A5531E510DB2}">
+      <thm15:themeFamily xmlns:thm15="http://schemas.microsoft.com/office/thememl/2012/main" name="Office Theme" id="{62F939B6-93AF-4DB8-9C6B-D6C7DFDC589F}" vid="{4A3C46E8-61CC-4603-A589-7422A47A8E4A}"/>
+    </a:ext>
+  </a:extLst>
+</a:theme>
 </file>
--- a/Отчет/speech.pptx
+++ b/Отчет/speech.pptx
@@ -660,11 +660,11 @@
             </a:pPr>
             <a:r>
               <a:rPr lang="ru-RU" dirty="0"/>
-              <a:t>Иные источники (данные работы двигателей</a:t>
+              <a:t>Иные источники (данные работы двигателей с сайта </a:t>
             </a:r>
             <a:r>
               <a:rPr lang="en-US" dirty="0"/>
-              <a:t>)</a:t>
+              <a:t>NASA)</a:t>
             </a:r>
             <a:endParaRPr lang="ru-RU" dirty="0"/>
           </a:p>
@@ -712,15 +712,7 @@
             </a:pPr>
             <a:r>
               <a:rPr lang="ru-RU" dirty="0"/>
-              <a:t>Сегментация клиентов по признакам</a:t>
-            </a:r>
-            <a:r>
-              <a:rPr lang="en-US" dirty="0"/>
-              <a:t>, </a:t>
-            </a:r>
-            <a:r>
-              <a:rPr lang="ru-RU" dirty="0"/>
-              <a:t>статистическое время жизни клиентов (Например, средний срок пользования продукцией 2 года – следовательно нужно рассылать выгодные предложения каждые 1.5 года.</a:t>
+              <a:t>Сегментация клиентов по признакам.</a:t>
             </a:r>
           </a:p>
           <a:p>
@@ -729,7 +721,20 @@
             </a:pPr>
             <a:r>
               <a:rPr lang="ru-RU" dirty="0"/>
-              <a:t>С помощью  машинного обучения на основе исторических данных.</a:t>
+              <a:t>Статистическое время жизни клиентов (Например, средний срок пользования продукцией 2 года – следовательно нужно рассылать выгодные предложения каждые 1.5 года.</a:t>
+            </a:r>
+          </a:p>
+          <a:p>
+            <a:pPr marL="685800" lvl="1" indent="-228600">
+              <a:buAutoNum type="arabicParenR"/>
+            </a:pPr>
+            <a:r>
+              <a:rPr lang="ru-RU" dirty="0"/>
+              <a:t>С помощью  </a:t>
+            </a:r>
+            <a:r>
+              <a:rPr lang="ru-RU"/>
+              <a:t>машинного обучения.</a:t>
             </a:r>
             <a:endParaRPr lang="en-US" dirty="0"/>
           </a:p>
@@ -5381,7 +5386,7 @@
             </a:pPr>
             <a:r>
               <a:rPr lang="ru-RU" sz="3200" dirty="0"/>
-              <a:t>Нахождение методов решения</a:t>
+              <a:t>Определение методов решения</a:t>
             </a:r>
           </a:p>
           <a:p>

--- a/Отчет/speech.pptx
+++ b/Отчет/speech.pptx
@@ -5,13 +5,19 @@
     <p:sldMasterId id="2147483648" r:id="rId1"/>
   </p:sldMasterIdLst>
   <p:notesMasterIdLst>
-    <p:notesMasterId r:id="rId6"/>
+    <p:notesMasterId r:id="rId12"/>
   </p:notesMasterIdLst>
   <p:sldIdLst>
     <p:sldId id="257" r:id="rId2"/>
     <p:sldId id="317" r:id="rId3"/>
     <p:sldId id="319" r:id="rId4"/>
     <p:sldId id="320" r:id="rId5"/>
+    <p:sldId id="321" r:id="rId6"/>
+    <p:sldId id="322" r:id="rId7"/>
+    <p:sldId id="323" r:id="rId8"/>
+    <p:sldId id="324" r:id="rId9"/>
+    <p:sldId id="325" r:id="rId10"/>
+    <p:sldId id="326" r:id="rId11"/>
   </p:sldIdLst>
   <p:sldSz cx="12192000" cy="6858000"/>
   <p:notesSz cx="6858000" cy="9144000"/>
@@ -200,7 +206,7 @@
           <a:p>
             <a:fld id="{8B82A444-7A35-48DA-B328-982FA082261C}" type="datetimeFigureOut">
               <a:rPr lang="ru-RU" smtClean="0"/>
-              <a:t>15.12.2021</a:t>
+              <a:t>14.04.2022</a:t>
             </a:fld>
             <a:endParaRPr lang="ru-RU"/>
           </a:p>
@@ -776,6 +782,202 @@
 </p:notes>
 </file>
 
+<file path=ppt/notesSlides/notesSlide3.xml><?xml version="1.0" encoding="utf-8"?>
+<p:notes xmlns:a="http://schemas.openxmlformats.org/drawingml/2006/main" xmlns:r="http://schemas.openxmlformats.org/officeDocument/2006/relationships" xmlns:p="http://schemas.openxmlformats.org/presentationml/2006/main">
+  <p:cSld>
+    <p:spTree>
+      <p:nvGrpSpPr>
+        <p:cNvPr id="1" name=""/>
+        <p:cNvGrpSpPr/>
+        <p:nvPr/>
+      </p:nvGrpSpPr>
+      <p:grpSpPr>
+        <a:xfrm>
+          <a:off x="0" y="0"/>
+          <a:ext cx="0" cy="0"/>
+          <a:chOff x="0" y="0"/>
+          <a:chExt cx="0" cy="0"/>
+        </a:xfrm>
+      </p:grpSpPr>
+      <p:sp>
+        <p:nvSpPr>
+          <p:cNvPr id="2" name="Образ слайда 1"/>
+          <p:cNvSpPr>
+            <a:spLocks noGrp="1" noRot="1" noChangeAspect="1"/>
+          </p:cNvSpPr>
+          <p:nvPr>
+            <p:ph type="sldImg"/>
+          </p:nvPr>
+        </p:nvSpPr>
+        <p:spPr/>
+      </p:sp>
+      <p:sp>
+        <p:nvSpPr>
+          <p:cNvPr id="3" name="Заметки 2"/>
+          <p:cNvSpPr>
+            <a:spLocks noGrp="1"/>
+          </p:cNvSpPr>
+          <p:nvPr>
+            <p:ph type="body" idx="1"/>
+          </p:nvPr>
+        </p:nvSpPr>
+        <p:spPr/>
+        <p:txBody>
+          <a:bodyPr/>
+          <a:lstStyle/>
+          <a:p>
+            <a:pPr marL="228600" indent="-228600">
+              <a:buAutoNum type="arabicParenR"/>
+            </a:pPr>
+            <a:r>
+              <a:rPr lang="ru-RU" dirty="0"/>
+              <a:t>Источники</a:t>
+            </a:r>
+            <a:r>
+              <a:rPr lang="en-US" dirty="0"/>
+              <a:t>:</a:t>
+            </a:r>
+          </a:p>
+          <a:p>
+            <a:pPr marL="685800" lvl="1" indent="-228600">
+              <a:buAutoNum type="arabicParenR"/>
+            </a:pPr>
+            <a:r>
+              <a:rPr lang="en-US" dirty="0"/>
+              <a:t>Kaggle</a:t>
+            </a:r>
+          </a:p>
+          <a:p>
+            <a:pPr marL="685800" lvl="1" indent="-228600">
+              <a:buAutoNum type="arabicParenR"/>
+            </a:pPr>
+            <a:r>
+              <a:rPr lang="ru-RU" dirty="0"/>
+              <a:t>Работа</a:t>
+            </a:r>
+          </a:p>
+          <a:p>
+            <a:pPr marL="685800" lvl="1" indent="-228600">
+              <a:buAutoNum type="arabicParenR"/>
+            </a:pPr>
+            <a:r>
+              <a:rPr lang="ru-RU" dirty="0"/>
+              <a:t>Иные источники (данные работы двигателей с сайта </a:t>
+            </a:r>
+            <a:r>
+              <a:rPr lang="en-US" dirty="0"/>
+              <a:t>NASA)</a:t>
+            </a:r>
+            <a:endParaRPr lang="ru-RU" dirty="0"/>
+          </a:p>
+          <a:p>
+            <a:pPr marL="457200" lvl="1" indent="0">
+              <a:buNone/>
+            </a:pPr>
+            <a:endParaRPr lang="ru-RU" dirty="0"/>
+          </a:p>
+          <a:p>
+            <a:pPr marL="457200" lvl="1" indent="0">
+              <a:buNone/>
+            </a:pPr>
+            <a:endParaRPr lang="en-US" dirty="0"/>
+          </a:p>
+          <a:p>
+            <a:pPr marL="228600" lvl="0" indent="-228600">
+              <a:buAutoNum type="arabicParenR"/>
+            </a:pPr>
+            <a:r>
+              <a:rPr lang="ru-RU" dirty="0"/>
+              <a:t>Методы решения</a:t>
+            </a:r>
+            <a:r>
+              <a:rPr lang="en-US" dirty="0"/>
+              <a:t>:</a:t>
+            </a:r>
+          </a:p>
+          <a:p>
+            <a:pPr marL="685800" lvl="1" indent="-228600">
+              <a:buAutoNum type="arabicParenR"/>
+            </a:pPr>
+            <a:r>
+              <a:rPr lang="ru-RU" dirty="0"/>
+              <a:t>Аналитически</a:t>
+            </a:r>
+            <a:r>
+              <a:rPr lang="en-US" dirty="0"/>
+              <a:t>:</a:t>
+            </a:r>
+          </a:p>
+          <a:p>
+            <a:pPr marL="1143000" lvl="2" indent="-228600">
+              <a:buAutoNum type="arabicParenR"/>
+            </a:pPr>
+            <a:r>
+              <a:rPr lang="ru-RU" dirty="0"/>
+              <a:t>Сегментация клиентов по признакам.</a:t>
+            </a:r>
+          </a:p>
+          <a:p>
+            <a:pPr marL="1143000" lvl="2" indent="-228600">
+              <a:buAutoNum type="arabicParenR"/>
+            </a:pPr>
+            <a:r>
+              <a:rPr lang="ru-RU" dirty="0"/>
+              <a:t>Статистическое время жизни клиентов (Например, средний срок пользования продукцией 2 года – следовательно нужно рассылать выгодные предложения каждые 1.5 года.</a:t>
+            </a:r>
+          </a:p>
+          <a:p>
+            <a:pPr marL="685800" lvl="1" indent="-228600">
+              <a:buAutoNum type="arabicParenR"/>
+            </a:pPr>
+            <a:r>
+              <a:rPr lang="ru-RU" dirty="0"/>
+              <a:t>С помощью  </a:t>
+            </a:r>
+            <a:r>
+              <a:rPr lang="ru-RU"/>
+              <a:t>машинного обучения.</a:t>
+            </a:r>
+            <a:endParaRPr lang="en-US" dirty="0"/>
+          </a:p>
+        </p:txBody>
+      </p:sp>
+      <p:sp>
+        <p:nvSpPr>
+          <p:cNvPr id="4" name="Номер слайда 3"/>
+          <p:cNvSpPr>
+            <a:spLocks noGrp="1"/>
+          </p:cNvSpPr>
+          <p:nvPr>
+            <p:ph type="sldNum" sz="quarter" idx="5"/>
+          </p:nvPr>
+        </p:nvSpPr>
+        <p:spPr/>
+        <p:txBody>
+          <a:bodyPr/>
+          <a:lstStyle/>
+          <a:p>
+            <a:fld id="{19BEF0AD-2EB4-4EDF-B0D5-693549730528}" type="slidenum">
+              <a:rPr lang="ru-RU" smtClean="0"/>
+              <a:t>5</a:t>
+            </a:fld>
+            <a:endParaRPr lang="ru-RU"/>
+          </a:p>
+        </p:txBody>
+      </p:sp>
+    </p:spTree>
+    <p:extLst>
+      <p:ext uri="{BB962C8B-B14F-4D97-AF65-F5344CB8AC3E}">
+        <p14:creationId xmlns:p14="http://schemas.microsoft.com/office/powerpoint/2010/main" val="1479803531"/>
+      </p:ext>
+    </p:extLst>
+  </p:cSld>
+  <p:clrMapOvr>
+    <a:masterClrMapping/>
+  </p:clrMapOvr>
+</p:notes>
+</file>
+
 <file path=ppt/slideLayouts/slideLayout1.xml><?xml version="1.0" encoding="utf-8"?>
 <p:sldLayout xmlns:a="http://schemas.openxmlformats.org/drawingml/2006/main" xmlns:r="http://schemas.openxmlformats.org/officeDocument/2006/relationships" xmlns:p="http://schemas.openxmlformats.org/presentationml/2006/main" type="title" preserve="1">
   <p:cSld name="Титульный слайд">
@@ -923,7 +1125,7 @@
           <a:p>
             <a:fld id="{46DF6259-7E23-4A39-B4CD-048F1CAC1A72}" type="datetimeFigureOut">
               <a:rPr lang="ru-RU" smtClean="0"/>
-              <a:t>15.12.2021</a:t>
+              <a:t>14.04.2022</a:t>
             </a:fld>
             <a:endParaRPr lang="ru-RU"/>
           </a:p>
@@ -1121,7 +1323,7 @@
           <a:p>
             <a:fld id="{46DF6259-7E23-4A39-B4CD-048F1CAC1A72}" type="datetimeFigureOut">
               <a:rPr lang="ru-RU" smtClean="0"/>
-              <a:t>15.12.2021</a:t>
+              <a:t>14.04.2022</a:t>
             </a:fld>
             <a:endParaRPr lang="ru-RU"/>
           </a:p>
@@ -1329,7 +1531,7 @@
           <a:p>
             <a:fld id="{46DF6259-7E23-4A39-B4CD-048F1CAC1A72}" type="datetimeFigureOut">
               <a:rPr lang="ru-RU" smtClean="0"/>
-              <a:t>15.12.2021</a:t>
+              <a:t>14.04.2022</a:t>
             </a:fld>
             <a:endParaRPr lang="ru-RU"/>
           </a:p>
@@ -1527,7 +1729,7 @@
           <a:p>
             <a:fld id="{46DF6259-7E23-4A39-B4CD-048F1CAC1A72}" type="datetimeFigureOut">
               <a:rPr lang="ru-RU" smtClean="0"/>
-              <a:t>15.12.2021</a:t>
+              <a:t>14.04.2022</a:t>
             </a:fld>
             <a:endParaRPr lang="ru-RU"/>
           </a:p>
@@ -1802,7 +2004,7 @@
           <a:p>
             <a:fld id="{46DF6259-7E23-4A39-B4CD-048F1CAC1A72}" type="datetimeFigureOut">
               <a:rPr lang="ru-RU" smtClean="0"/>
-              <a:t>15.12.2021</a:t>
+              <a:t>14.04.2022</a:t>
             </a:fld>
             <a:endParaRPr lang="ru-RU"/>
           </a:p>
@@ -2067,7 +2269,7 @@
           <a:p>
             <a:fld id="{46DF6259-7E23-4A39-B4CD-048F1CAC1A72}" type="datetimeFigureOut">
               <a:rPr lang="ru-RU" smtClean="0"/>
-              <a:t>15.12.2021</a:t>
+              <a:t>14.04.2022</a:t>
             </a:fld>
             <a:endParaRPr lang="ru-RU"/>
           </a:p>
@@ -2479,7 +2681,7 @@
           <a:p>
             <a:fld id="{46DF6259-7E23-4A39-B4CD-048F1CAC1A72}" type="datetimeFigureOut">
               <a:rPr lang="ru-RU" smtClean="0"/>
-              <a:t>15.12.2021</a:t>
+              <a:t>14.04.2022</a:t>
             </a:fld>
             <a:endParaRPr lang="ru-RU"/>
           </a:p>
@@ -2620,7 +2822,7 @@
           <a:p>
             <a:fld id="{46DF6259-7E23-4A39-B4CD-048F1CAC1A72}" type="datetimeFigureOut">
               <a:rPr lang="ru-RU" smtClean="0"/>
-              <a:t>15.12.2021</a:t>
+              <a:t>14.04.2022</a:t>
             </a:fld>
             <a:endParaRPr lang="ru-RU"/>
           </a:p>
@@ -2733,7 +2935,7 @@
           <a:p>
             <a:fld id="{46DF6259-7E23-4A39-B4CD-048F1CAC1A72}" type="datetimeFigureOut">
               <a:rPr lang="ru-RU" smtClean="0"/>
-              <a:t>15.12.2021</a:t>
+              <a:t>14.04.2022</a:t>
             </a:fld>
             <a:endParaRPr lang="ru-RU"/>
           </a:p>
@@ -3044,7 +3246,7 @@
           <a:p>
             <a:fld id="{46DF6259-7E23-4A39-B4CD-048F1CAC1A72}" type="datetimeFigureOut">
               <a:rPr lang="ru-RU" smtClean="0"/>
-              <a:t>15.12.2021</a:t>
+              <a:t>14.04.2022</a:t>
             </a:fld>
             <a:endParaRPr lang="ru-RU"/>
           </a:p>
@@ -3332,7 +3534,7 @@
           <a:p>
             <a:fld id="{46DF6259-7E23-4A39-B4CD-048F1CAC1A72}" type="datetimeFigureOut">
               <a:rPr lang="ru-RU" smtClean="0"/>
-              <a:t>15.12.2021</a:t>
+              <a:t>14.04.2022</a:t>
             </a:fld>
             <a:endParaRPr lang="ru-RU"/>
           </a:p>
@@ -3573,7 +3775,7 @@
           <a:p>
             <a:fld id="{46DF6259-7E23-4A39-B4CD-048F1CAC1A72}" type="datetimeFigureOut">
               <a:rPr lang="ru-RU" smtClean="0"/>
-              <a:t>15.12.2021</a:t>
+              <a:t>14.04.2022</a:t>
             </a:fld>
             <a:endParaRPr lang="ru-RU"/>
           </a:p>
@@ -4025,7 +4227,19 @@
                 <a:latin typeface="Times New Roman" panose="02020603050405020304" pitchFamily="18" charset="0"/>
                 <a:ea typeface="Calibri" panose="020F0502020204030204" pitchFamily="34" charset="0"/>
               </a:rPr>
-              <a:t>«Разработка алгоритма прогнозирования момента оттока клиентов»</a:t>
+              <a:t>«</a:t>
+            </a:r>
+            <a:r>
+              <a:rPr lang="ru-RU" sz="3200" dirty="0"/>
+              <a:t>Лексическая кластеризация продуктового справочника методами машинного обучения без учителя для анализа данных</a:t>
+            </a:r>
+            <a:r>
+              <a:rPr lang="ru-RU" sz="3200" dirty="0">
+                <a:effectLst/>
+                <a:latin typeface="Times New Roman" panose="02020603050405020304" pitchFamily="18" charset="0"/>
+                <a:ea typeface="Calibri" panose="020F0502020204030204" pitchFamily="34" charset="0"/>
+              </a:rPr>
+              <a:t>»</a:t>
             </a:r>
             <a:endParaRPr lang="ru-RU" sz="3200" dirty="0"/>
           </a:p>
@@ -4072,7 +4286,7 @@
               <a:rPr lang="ru-RU" dirty="0">
                 <a:cs typeface="Times New Roman" panose="02020603050405020304" pitchFamily="18" charset="0"/>
               </a:rPr>
-              <a:t>студент группы М8О-101М-21 </a:t>
+              <a:t>студент МАИ</a:t>
             </a:r>
           </a:p>
           <a:p>
@@ -4131,8 +4345,8 @@
         </p:nvSpPr>
         <p:spPr>
           <a:xfrm>
-            <a:off x="5263079" y="6488668"/>
-            <a:ext cx="1665842" cy="369332"/>
+            <a:off x="5344833" y="6488668"/>
+            <a:ext cx="1502334" cy="369332"/>
           </a:xfrm>
           <a:prstGeom prst="rect">
             <a:avLst/>
@@ -4154,7 +4368,7 @@
                 <a:latin typeface="Times New Roman" panose="02020603050405020304" pitchFamily="18" charset="0"/>
                 <a:cs typeface="Times New Roman" panose="02020603050405020304" pitchFamily="18" charset="0"/>
               </a:rPr>
-              <a:t>2021</a:t>
+              <a:t>2022</a:t>
             </a:r>
           </a:p>
         </p:txBody>
@@ -4761,6 +4975,123 @@
 </p:sld>
 </file>
 
+<file path=ppt/slides/slide10.xml><?xml version="1.0" encoding="utf-8"?>
+<p:sld xmlns:a="http://schemas.openxmlformats.org/drawingml/2006/main" xmlns:r="http://schemas.openxmlformats.org/officeDocument/2006/relationships" xmlns:p="http://schemas.openxmlformats.org/presentationml/2006/main">
+  <p:cSld>
+    <p:spTree>
+      <p:nvGrpSpPr>
+        <p:cNvPr id="1" name=""/>
+        <p:cNvGrpSpPr/>
+        <p:nvPr/>
+      </p:nvGrpSpPr>
+      <p:grpSpPr>
+        <a:xfrm>
+          <a:off x="0" y="0"/>
+          <a:ext cx="0" cy="0"/>
+          <a:chOff x="0" y="0"/>
+          <a:chExt cx="0" cy="0"/>
+        </a:xfrm>
+      </p:grpSpPr>
+      <p:sp>
+        <p:nvSpPr>
+          <p:cNvPr id="2" name="Заголовок 1">
+            <a:extLst>
+              <a:ext uri="{FF2B5EF4-FFF2-40B4-BE49-F238E27FC236}">
+                <a16:creationId xmlns:a16="http://schemas.microsoft.com/office/drawing/2014/main" id="{DAFF929B-10BC-4A13-8FF4-B8FEA0D7F557}"/>
+              </a:ext>
+            </a:extLst>
+          </p:cNvPr>
+          <p:cNvSpPr>
+            <a:spLocks noGrp="1"/>
+          </p:cNvSpPr>
+          <p:nvPr>
+            <p:ph type="title"/>
+          </p:nvPr>
+        </p:nvSpPr>
+        <p:spPr>
+          <a:xfrm>
+            <a:off x="838200" y="365125"/>
+            <a:ext cx="10515600" cy="518795"/>
+          </a:xfrm>
+        </p:spPr>
+        <p:txBody>
+          <a:bodyPr>
+            <a:normAutofit fontScale="90000"/>
+          </a:bodyPr>
+          <a:lstStyle/>
+          <a:p>
+            <a:r>
+              <a:rPr lang="ru-RU" dirty="0"/>
+              <a:t>Итоги работы</a:t>
+            </a:r>
+          </a:p>
+        </p:txBody>
+      </p:sp>
+      <p:sp>
+        <p:nvSpPr>
+          <p:cNvPr id="3" name="Объект 2">
+            <a:extLst>
+              <a:ext uri="{FF2B5EF4-FFF2-40B4-BE49-F238E27FC236}">
+                <a16:creationId xmlns:a16="http://schemas.microsoft.com/office/drawing/2014/main" id="{49A5D3DC-77A1-48B6-9E31-A388C6245AFA}"/>
+              </a:ext>
+            </a:extLst>
+          </p:cNvPr>
+          <p:cNvSpPr>
+            <a:spLocks noGrp="1"/>
+          </p:cNvSpPr>
+          <p:nvPr>
+            <p:ph idx="1"/>
+          </p:nvPr>
+        </p:nvSpPr>
+        <p:spPr>
+          <a:xfrm>
+            <a:off x="838200" y="981596"/>
+            <a:ext cx="10515600" cy="2645524"/>
+          </a:xfrm>
+        </p:spPr>
+        <p:txBody>
+          <a:bodyPr>
+            <a:normAutofit/>
+          </a:bodyPr>
+          <a:lstStyle/>
+          <a:p>
+            <a:r>
+              <a:rPr lang="ru-RU" dirty="0"/>
+              <a:t>Удалось обобщить множество из 500 уникальных наименований в 50 кластеров</a:t>
+            </a:r>
+          </a:p>
+          <a:p>
+            <a:r>
+              <a:rPr lang="ru-RU" dirty="0"/>
+              <a:t>Следующим этапом является автоматизация </a:t>
+            </a:r>
+            <a:r>
+              <a:rPr lang="en-US" dirty="0" err="1"/>
+              <a:t>PipeLine</a:t>
+            </a:r>
+            <a:endParaRPr lang="en-US" dirty="0"/>
+          </a:p>
+          <a:p>
+            <a:r>
+              <a:rPr lang="ru-RU" dirty="0"/>
+              <a:t>Предстоит исследовать покупательскую способность на основе данной продуктовой группировки для задач отдела</a:t>
+            </a:r>
+          </a:p>
+        </p:txBody>
+      </p:sp>
+    </p:spTree>
+    <p:extLst>
+      <p:ext uri="{BB962C8B-B14F-4D97-AF65-F5344CB8AC3E}">
+        <p14:creationId xmlns:p14="http://schemas.microsoft.com/office/powerpoint/2010/main" val="4241783169"/>
+      </p:ext>
+    </p:extLst>
+  </p:cSld>
+  <p:clrMapOvr>
+    <a:masterClrMapping/>
+  </p:clrMapOvr>
+</p:sld>
+</file>
+
 <file path=ppt/slides/slide2.xml><?xml version="1.0" encoding="utf-8"?>
 <p:sld xmlns:a="http://schemas.openxmlformats.org/drawingml/2006/main" xmlns:r="http://schemas.openxmlformats.org/officeDocument/2006/relationships" xmlns:p="http://schemas.openxmlformats.org/presentationml/2006/main">
   <p:cSld>
@@ -4867,8 +5198,8 @@
         </p:nvSpPr>
         <p:spPr>
           <a:xfrm>
-            <a:off x="632299" y="1478604"/>
-            <a:ext cx="11070076" cy="1143070"/>
+            <a:off x="1121924" y="1519244"/>
+            <a:ext cx="11070076" cy="1697068"/>
           </a:xfrm>
           <a:prstGeom prst="rect">
             <a:avLst/>
@@ -4890,7 +5221,15 @@
             </a:pPr>
             <a:r>
               <a:rPr lang="ru-RU" sz="2400" dirty="0"/>
-              <a:t>Актуальность данной работы появилась с ростом потребительской экономики</a:t>
+              <a:t>Улучшение </a:t>
+            </a:r>
+            <a:r>
+              <a:rPr lang="en-US" sz="2400" dirty="0"/>
+              <a:t>Retail </a:t>
+            </a:r>
+            <a:r>
+              <a:rPr lang="ru-RU" sz="2400" dirty="0"/>
+              <a:t>продаж</a:t>
             </a:r>
           </a:p>
           <a:p>
@@ -4903,17 +5242,30 @@
             </a:pPr>
             <a:r>
               <a:rPr lang="ru-RU" sz="2400" dirty="0"/>
-              <a:t>Реализация данной задачи возможна благодаря массовой цифровизации</a:t>
+              <a:t>Запросы данных отдела взаимодействия со СМИ</a:t>
+            </a:r>
+          </a:p>
+          <a:p>
+            <a:pPr marL="285750" indent="-285750">
+              <a:lnSpc>
+                <a:spcPct val="150000"/>
+              </a:lnSpc>
+              <a:buFont typeface="Arial" panose="020B0604020202020204" pitchFamily="34" charset="0"/>
+              <a:buChar char="•"/>
+            </a:pPr>
+            <a:r>
+              <a:rPr lang="ru-RU" sz="2400" dirty="0"/>
+              <a:t>Создание новых признаков</a:t>
             </a:r>
           </a:p>
         </p:txBody>
       </p:sp>
       <p:pic>
         <p:nvPicPr>
-          <p:cNvPr id="5" name="Рисунок 4">
-            <a:extLst>
-              <a:ext uri="{FF2B5EF4-FFF2-40B4-BE49-F238E27FC236}">
-                <a16:creationId xmlns:a16="http://schemas.microsoft.com/office/drawing/2014/main" id="{1CBD631C-F6DD-470C-AA1B-178C1A9406D0}"/>
+          <p:cNvPr id="6" name="Рисунок 5">
+            <a:extLst>
+              <a:ext uri="{FF2B5EF4-FFF2-40B4-BE49-F238E27FC236}">
+                <a16:creationId xmlns:a16="http://schemas.microsoft.com/office/drawing/2014/main" id="{130FA36B-B62A-4048-B66A-39DD7C405F85}"/>
               </a:ext>
             </a:extLst>
           </p:cNvPr>
@@ -4936,8 +5288,8 @@
         </p:blipFill>
         <p:spPr>
           <a:xfrm>
-            <a:off x="2109537" y="2927514"/>
-            <a:ext cx="7972926" cy="3114424"/>
+            <a:off x="6797040" y="3124823"/>
+            <a:ext cx="3651508" cy="3008605"/>
           </a:xfrm>
           <a:prstGeom prst="rect">
             <a:avLst/>
@@ -5031,14 +5383,14 @@
         </p:spPr>
         <p:txBody>
           <a:bodyPr>
-            <a:normAutofit/>
+            <a:normAutofit fontScale="92500" lnSpcReduction="20000"/>
           </a:bodyPr>
           <a:lstStyle/>
           <a:p>
             <a:pPr marL="0" indent="450000" algn="just"/>
             <a:r>
               <a:rPr lang="ru-RU" dirty="0"/>
-              <a:t>Построение алгоритма, позволяющего прогнозировать момент оттока клиентов для применения мер предотвращения. </a:t>
+              <a:t>Построение алгоритма, позволяющего обобщить продуктовый справочник с возможностью его дополнения и определения новых типов продуктов к существующим кластерам  </a:t>
             </a:r>
           </a:p>
           <a:p>
@@ -5144,47 +5496,7 @@
                   </a:schemeClr>
                 </a:solidFill>
               </a:rPr>
-              <a:t>Описание набора данных;</a:t>
-            </a:r>
-          </a:p>
-          <a:p>
-            <a:pPr marL="803275" indent="-268288">
-              <a:lnSpc>
-                <a:spcPct val="150000"/>
-              </a:lnSpc>
-              <a:buFont typeface="Arial" panose="020B0604020202020204" pitchFamily="34" charset="0"/>
-              <a:buChar char="•"/>
-            </a:pPr>
-            <a:r>
-              <a:rPr lang="ru-RU" sz="2400" dirty="0">
-                <a:solidFill>
-                  <a:schemeClr val="tx1">
-                    <a:lumMod val="65000"/>
-                    <a:lumOff val="35000"/>
-                  </a:schemeClr>
-                </a:solidFill>
-              </a:rPr>
-              <a:t>Выбор метрик качества;</a:t>
-            </a:r>
-          </a:p>
-          <a:p>
-            <a:pPr marL="803275" indent="-268288">
-              <a:lnSpc>
-                <a:spcPct val="150000"/>
-              </a:lnSpc>
-              <a:buFont typeface="Arial" panose="020B0604020202020204" pitchFamily="34" charset="0"/>
-              <a:buChar char="•"/>
-            </a:pPr>
-            <a:r>
-              <a:rPr lang="ru-RU" sz="2400" dirty="0">
-                <a:solidFill>
-                  <a:schemeClr val="tx1">
-                    <a:lumMod val="65000"/>
-                    <a:lumOff val="35000"/>
-                  </a:schemeClr>
-                </a:solidFill>
-              </a:rPr>
-              <a:t>Выбор используемых моделей и исследование их качества работы</a:t>
+              <a:t>Создание набора данных</a:t>
             </a:r>
             <a:r>
               <a:rPr lang="en-US" sz="2400" dirty="0">
@@ -5223,7 +5535,47 @@
                   </a:schemeClr>
                 </a:solidFill>
               </a:rPr>
-              <a:t>Сравнение полученных результатов.</a:t>
+              <a:t>Исследование набора данных</a:t>
+            </a:r>
+          </a:p>
+          <a:p>
+            <a:pPr marL="803275" indent="-268288">
+              <a:lnSpc>
+                <a:spcPct val="150000"/>
+              </a:lnSpc>
+              <a:buFont typeface="Arial" panose="020B0604020202020204" pitchFamily="34" charset="0"/>
+              <a:buChar char="•"/>
+            </a:pPr>
+            <a:r>
+              <a:rPr lang="ru-RU" sz="2400" dirty="0">
+                <a:solidFill>
+                  <a:schemeClr val="tx1">
+                    <a:lumMod val="65000"/>
+                    <a:lumOff val="35000"/>
+                  </a:schemeClr>
+                </a:solidFill>
+              </a:rPr>
+              <a:t>Выбор метода трансформации текста в вектор</a:t>
+            </a:r>
+          </a:p>
+          <a:p>
+            <a:pPr marL="803275" indent="-268288">
+              <a:lnSpc>
+                <a:spcPct val="150000"/>
+              </a:lnSpc>
+              <a:buFont typeface="Arial" panose="020B0604020202020204" pitchFamily="34" charset="0"/>
+              <a:buChar char="•"/>
+            </a:pPr>
+            <a:r>
+              <a:rPr lang="ru-RU" sz="2400" dirty="0">
+                <a:solidFill>
+                  <a:schemeClr val="tx1">
+                    <a:lumMod val="65000"/>
+                    <a:lumOff val="35000"/>
+                  </a:schemeClr>
+                </a:solidFill>
+              </a:rPr>
+              <a:t>Выбор метода кластеризации</a:t>
             </a:r>
           </a:p>
         </p:txBody>
@@ -5287,10 +5639,9 @@
           <a:lstStyle/>
           <a:p>
             <a:r>
-              <a:rPr lang="ru-RU" dirty="0"/>
-              <a:t>Первые шаги</a:t>
-            </a:r>
-            <a:endParaRPr lang="ru-RU" sz="4400" dirty="0"/>
+              <a:rPr lang="ru-RU" sz="4400" dirty="0"/>
+              <a:t>Создание набора данных</a:t>
+            </a:r>
           </a:p>
         </p:txBody>
       </p:sp>
@@ -5350,7 +5701,7 @@
         </p:nvSpPr>
         <p:spPr>
           <a:xfrm>
-            <a:off x="719846" y="1332689"/>
+            <a:off x="902726" y="1007569"/>
             <a:ext cx="9144001" cy="1846659"/>
           </a:xfrm>
           <a:prstGeom prst="rect">
@@ -5364,29 +5715,29 @@
           </a:bodyPr>
           <a:lstStyle/>
           <a:p>
-            <a:pPr marL="342900" indent="-342900">
+            <a:pPr marL="457200" indent="-457200">
               <a:lnSpc>
                 <a:spcPct val="150000"/>
               </a:lnSpc>
-              <a:buFont typeface="+mj-lt"/>
-              <a:buAutoNum type="arabicPeriod"/>
+              <a:buFont typeface="Arial" panose="020B0604020202020204" pitchFamily="34" charset="0"/>
+              <a:buChar char="•"/>
             </a:pPr>
             <a:r>
               <a:rPr lang="ru-RU" sz="3200" dirty="0"/>
-              <a:t>Нахождение источника исходных данных</a:t>
-            </a:r>
-          </a:p>
-          <a:p>
-            <a:pPr marL="342900" indent="-342900">
+              <a:t>Источник данных</a:t>
+            </a:r>
+          </a:p>
+          <a:p>
+            <a:pPr marL="457200" indent="-457200">
               <a:lnSpc>
                 <a:spcPct val="150000"/>
               </a:lnSpc>
-              <a:buFont typeface="+mj-lt"/>
-              <a:buAutoNum type="arabicPeriod"/>
+              <a:buFont typeface="Arial" panose="020B0604020202020204" pitchFamily="34" charset="0"/>
+              <a:buChar char="•"/>
             </a:pPr>
             <a:r>
               <a:rPr lang="ru-RU" sz="3200" dirty="0"/>
-              <a:t>Определение методов решения</a:t>
+              <a:t>Формат файла для обработки</a:t>
             </a:r>
           </a:p>
           <a:p>
@@ -5396,10 +5747,39 @@
       </p:sp>
       <p:pic>
         <p:nvPicPr>
-          <p:cNvPr id="8" name="Рисунок 7">
-            <a:extLst>
-              <a:ext uri="{FF2B5EF4-FFF2-40B4-BE49-F238E27FC236}">
-                <a16:creationId xmlns:a16="http://schemas.microsoft.com/office/drawing/2014/main" id="{6D7FCFA8-8A01-429C-B4C4-6ACA29F13F9F}"/>
+          <p:cNvPr id="6" name="Рисунок 5">
+            <a:extLst>
+              <a:ext uri="{FF2B5EF4-FFF2-40B4-BE49-F238E27FC236}">
+                <a16:creationId xmlns:a16="http://schemas.microsoft.com/office/drawing/2014/main" id="{1DD71E59-A1AA-453D-94C4-FACE64469E61}"/>
+              </a:ext>
+            </a:extLst>
+          </p:cNvPr>
+          <p:cNvPicPr>
+            <a:picLocks noChangeAspect="1"/>
+          </p:cNvPicPr>
+          <p:nvPr/>
+        </p:nvPicPr>
+        <p:blipFill rotWithShape="1">
+          <a:blip r:embed="rId3"/>
+          <a:srcRect l="10243"/>
+          <a:stretch/>
+        </p:blipFill>
+        <p:spPr>
+          <a:xfrm>
+            <a:off x="8150701" y="768637"/>
+            <a:ext cx="3135720" cy="2118862"/>
+          </a:xfrm>
+          <a:prstGeom prst="rect">
+            <a:avLst/>
+          </a:prstGeom>
+        </p:spPr>
+      </p:pic>
+      <p:pic>
+        <p:nvPicPr>
+          <p:cNvPr id="11" name="Рисунок 10">
+            <a:extLst>
+              <a:ext uri="{FF2B5EF4-FFF2-40B4-BE49-F238E27FC236}">
+                <a16:creationId xmlns:a16="http://schemas.microsoft.com/office/drawing/2014/main" id="{32885D98-A4D2-4F39-B16A-F18A398C54DF}"/>
               </a:ext>
             </a:extLst>
           </p:cNvPr>
@@ -5409,21 +5789,15 @@
           <p:nvPr/>
         </p:nvPicPr>
         <p:blipFill>
-          <a:blip r:embed="rId3">
-            <a:extLst>
-              <a:ext uri="{28A0092B-C50C-407E-A947-70E740481C1C}">
-                <a14:useLocalDpi xmlns:a14="http://schemas.microsoft.com/office/drawing/2010/main" val="0"/>
-              </a:ext>
-            </a:extLst>
-          </a:blip>
+          <a:blip r:embed="rId4"/>
           <a:stretch>
             <a:fillRect/>
           </a:stretch>
         </p:blipFill>
         <p:spPr>
           <a:xfrm>
-            <a:off x="2190668" y="3429000"/>
-            <a:ext cx="7810663" cy="2659978"/>
+            <a:off x="1266363" y="2887499"/>
+            <a:ext cx="6597477" cy="3327257"/>
           </a:xfrm>
           <a:prstGeom prst="rect">
             <a:avLst/>
@@ -5434,6 +5808,798 @@
     <p:extLst>
       <p:ext uri="{BB962C8B-B14F-4D97-AF65-F5344CB8AC3E}">
         <p14:creationId xmlns:p14="http://schemas.microsoft.com/office/powerpoint/2010/main" val="3137773926"/>
+      </p:ext>
+    </p:extLst>
+  </p:cSld>
+  <p:clrMapOvr>
+    <a:masterClrMapping/>
+  </p:clrMapOvr>
+</p:sld>
+</file>
+
+<file path=ppt/slides/slide5.xml><?xml version="1.0" encoding="utf-8"?>
+<p:sld xmlns:a="http://schemas.openxmlformats.org/drawingml/2006/main" xmlns:r="http://schemas.openxmlformats.org/officeDocument/2006/relationships" xmlns:p="http://schemas.openxmlformats.org/presentationml/2006/main">
+  <p:cSld>
+    <p:spTree>
+      <p:nvGrpSpPr>
+        <p:cNvPr id="1" name=""/>
+        <p:cNvGrpSpPr/>
+        <p:nvPr/>
+      </p:nvGrpSpPr>
+      <p:grpSpPr>
+        <a:xfrm>
+          <a:off x="0" y="0"/>
+          <a:ext cx="0" cy="0"/>
+          <a:chOff x="0" y="0"/>
+          <a:chExt cx="0" cy="0"/>
+        </a:xfrm>
+      </p:grpSpPr>
+      <p:sp>
+        <p:nvSpPr>
+          <p:cNvPr id="2" name="Заголовок 1">
+            <a:extLst>
+              <a:ext uri="{FF2B5EF4-FFF2-40B4-BE49-F238E27FC236}">
+                <a16:creationId xmlns:a16="http://schemas.microsoft.com/office/drawing/2014/main" id="{A554E992-7788-4807-B214-E83A592BA021}"/>
+              </a:ext>
+            </a:extLst>
+          </p:cNvPr>
+          <p:cNvSpPr>
+            <a:spLocks noGrp="1"/>
+          </p:cNvSpPr>
+          <p:nvPr>
+            <p:ph type="title"/>
+          </p:nvPr>
+        </p:nvSpPr>
+        <p:spPr>
+          <a:xfrm>
+            <a:off x="481495" y="85011"/>
+            <a:ext cx="8534400" cy="849145"/>
+          </a:xfrm>
+        </p:spPr>
+        <p:txBody>
+          <a:bodyPr>
+            <a:normAutofit/>
+          </a:bodyPr>
+          <a:lstStyle/>
+          <a:p>
+            <a:r>
+              <a:rPr lang="ru-RU" sz="4400" dirty="0"/>
+              <a:t>Исследование набора данных</a:t>
+            </a:r>
+          </a:p>
+        </p:txBody>
+      </p:sp>
+      <p:sp>
+        <p:nvSpPr>
+          <p:cNvPr id="4" name="Номер слайда 3">
+            <a:extLst>
+              <a:ext uri="{FF2B5EF4-FFF2-40B4-BE49-F238E27FC236}">
+                <a16:creationId xmlns:a16="http://schemas.microsoft.com/office/drawing/2014/main" id="{36E4A91D-59A5-4A51-A04C-9C25146A0BCD}"/>
+              </a:ext>
+            </a:extLst>
+          </p:cNvPr>
+          <p:cNvSpPr>
+            <a:spLocks noGrp="1"/>
+          </p:cNvSpPr>
+          <p:nvPr>
+            <p:ph type="sldNum" sz="quarter" idx="12"/>
+          </p:nvPr>
+        </p:nvSpPr>
+        <p:spPr>
+          <a:xfrm>
+            <a:off x="10715299" y="5992340"/>
+            <a:ext cx="1142245" cy="669925"/>
+          </a:xfrm>
+        </p:spPr>
+        <p:txBody>
+          <a:bodyPr/>
+          <a:lstStyle/>
+          <a:p>
+            <a:fld id="{215F4EE3-9A7A-4F14-9A4C-17DDDD407085}" type="slidenum">
+              <a:rPr lang="ru-RU" sz="3200" smtClean="0">
+                <a:solidFill>
+                  <a:schemeClr val="tx1"/>
+                </a:solidFill>
+              </a:rPr>
+              <a:t>5</a:t>
+            </a:fld>
+            <a:endParaRPr lang="ru-RU" sz="3200" dirty="0">
+              <a:solidFill>
+                <a:schemeClr val="tx1"/>
+              </a:solidFill>
+            </a:endParaRPr>
+          </a:p>
+        </p:txBody>
+      </p:sp>
+      <p:sp>
+        <p:nvSpPr>
+          <p:cNvPr id="7" name="TextBox 6">
+            <a:extLst>
+              <a:ext uri="{FF2B5EF4-FFF2-40B4-BE49-F238E27FC236}">
+                <a16:creationId xmlns:a16="http://schemas.microsoft.com/office/drawing/2014/main" id="{4CAED4A4-35AD-4A7E-B31B-16367E4B0D93}"/>
+              </a:ext>
+            </a:extLst>
+          </p:cNvPr>
+          <p:cNvSpPr txBox="1"/>
+          <p:nvPr/>
+        </p:nvSpPr>
+        <p:spPr>
+          <a:xfrm>
+            <a:off x="1073459" y="1121058"/>
+            <a:ext cx="5886142" cy="4062651"/>
+          </a:xfrm>
+          <a:prstGeom prst="rect">
+            <a:avLst/>
+          </a:prstGeom>
+          <a:noFill/>
+        </p:spPr>
+        <p:txBody>
+          <a:bodyPr wrap="square" rtlCol="0">
+            <a:spAutoFit/>
+          </a:bodyPr>
+          <a:lstStyle/>
+          <a:p>
+            <a:pPr marL="457200" indent="-457200">
+              <a:lnSpc>
+                <a:spcPct val="150000"/>
+              </a:lnSpc>
+              <a:buFont typeface="Arial" panose="020B0604020202020204" pitchFamily="34" charset="0"/>
+              <a:buChar char="•"/>
+            </a:pPr>
+            <a:r>
+              <a:rPr lang="ru-RU" sz="3200" dirty="0"/>
+              <a:t>Удаление лишних символов</a:t>
+            </a:r>
+          </a:p>
+          <a:p>
+            <a:pPr marL="457200" indent="-457200">
+              <a:lnSpc>
+                <a:spcPct val="150000"/>
+              </a:lnSpc>
+              <a:buFont typeface="Arial" panose="020B0604020202020204" pitchFamily="34" charset="0"/>
+              <a:buChar char="•"/>
+            </a:pPr>
+            <a:r>
+              <a:rPr lang="ru-RU" sz="3200" dirty="0"/>
+              <a:t>Удаление предлогов</a:t>
+            </a:r>
+          </a:p>
+          <a:p>
+            <a:pPr marL="457200" indent="-457200">
+              <a:lnSpc>
+                <a:spcPct val="150000"/>
+              </a:lnSpc>
+              <a:buFont typeface="Arial" panose="020B0604020202020204" pitchFamily="34" charset="0"/>
+              <a:buChar char="•"/>
+            </a:pPr>
+            <a:r>
+              <a:rPr lang="ru-RU" sz="3200" dirty="0"/>
+              <a:t>Исключение общих слов</a:t>
+            </a:r>
+          </a:p>
+          <a:p>
+            <a:pPr marL="457200" indent="-457200">
+              <a:lnSpc>
+                <a:spcPct val="150000"/>
+              </a:lnSpc>
+              <a:buFont typeface="Arial" panose="020B0604020202020204" pitchFamily="34" charset="0"/>
+              <a:buChar char="•"/>
+            </a:pPr>
+            <a:r>
+              <a:rPr lang="ru-RU" sz="3200" dirty="0"/>
+              <a:t>Трансформация слов в начальную форму </a:t>
+            </a:r>
+          </a:p>
+          <a:p>
+            <a:endParaRPr lang="ru-RU" dirty="0"/>
+          </a:p>
+        </p:txBody>
+      </p:sp>
+      <p:pic>
+        <p:nvPicPr>
+          <p:cNvPr id="8" name="Рисунок 7">
+            <a:extLst>
+              <a:ext uri="{FF2B5EF4-FFF2-40B4-BE49-F238E27FC236}">
+                <a16:creationId xmlns:a16="http://schemas.microsoft.com/office/drawing/2014/main" id="{8A3C5B16-060A-49A4-BECB-0BB19599147F}"/>
+              </a:ext>
+            </a:extLst>
+          </p:cNvPr>
+          <p:cNvPicPr>
+            <a:picLocks noChangeAspect="1"/>
+          </p:cNvPicPr>
+          <p:nvPr/>
+        </p:nvPicPr>
+        <p:blipFill>
+          <a:blip r:embed="rId3"/>
+          <a:stretch>
+            <a:fillRect/>
+          </a:stretch>
+        </p:blipFill>
+        <p:spPr>
+          <a:xfrm>
+            <a:off x="7153507" y="1121058"/>
+            <a:ext cx="4394658" cy="2216326"/>
+          </a:xfrm>
+          <a:prstGeom prst="rect">
+            <a:avLst/>
+          </a:prstGeom>
+        </p:spPr>
+      </p:pic>
+      <p:pic>
+        <p:nvPicPr>
+          <p:cNvPr id="10" name="Рисунок 9">
+            <a:extLst>
+              <a:ext uri="{FF2B5EF4-FFF2-40B4-BE49-F238E27FC236}">
+                <a16:creationId xmlns:a16="http://schemas.microsoft.com/office/drawing/2014/main" id="{DE728104-72D1-4C4C-998C-411A501C40CD}"/>
+              </a:ext>
+            </a:extLst>
+          </p:cNvPr>
+          <p:cNvPicPr>
+            <a:picLocks noChangeAspect="1"/>
+          </p:cNvPicPr>
+          <p:nvPr/>
+        </p:nvPicPr>
+        <p:blipFill>
+          <a:blip r:embed="rId4"/>
+          <a:stretch>
+            <a:fillRect/>
+          </a:stretch>
+        </p:blipFill>
+        <p:spPr>
+          <a:xfrm>
+            <a:off x="7153506" y="3487220"/>
+            <a:ext cx="4445458" cy="2287343"/>
+          </a:xfrm>
+          <a:prstGeom prst="rect">
+            <a:avLst/>
+          </a:prstGeom>
+        </p:spPr>
+      </p:pic>
+    </p:spTree>
+    <p:extLst>
+      <p:ext uri="{BB962C8B-B14F-4D97-AF65-F5344CB8AC3E}">
+        <p14:creationId xmlns:p14="http://schemas.microsoft.com/office/powerpoint/2010/main" val="872691372"/>
+      </p:ext>
+    </p:extLst>
+  </p:cSld>
+  <p:clrMapOvr>
+    <a:masterClrMapping/>
+  </p:clrMapOvr>
+</p:sld>
+</file>
+
+<file path=ppt/slides/slide6.xml><?xml version="1.0" encoding="utf-8"?>
+<p:sld xmlns:a="http://schemas.openxmlformats.org/drawingml/2006/main" xmlns:r="http://schemas.openxmlformats.org/officeDocument/2006/relationships" xmlns:p="http://schemas.openxmlformats.org/presentationml/2006/main">
+  <p:cSld>
+    <p:spTree>
+      <p:nvGrpSpPr>
+        <p:cNvPr id="1" name=""/>
+        <p:cNvGrpSpPr/>
+        <p:nvPr/>
+      </p:nvGrpSpPr>
+      <p:grpSpPr>
+        <a:xfrm>
+          <a:off x="0" y="0"/>
+          <a:ext cx="0" cy="0"/>
+          <a:chOff x="0" y="0"/>
+          <a:chExt cx="0" cy="0"/>
+        </a:xfrm>
+      </p:grpSpPr>
+      <p:sp>
+        <p:nvSpPr>
+          <p:cNvPr id="2" name="Заголовок 1">
+            <a:extLst>
+              <a:ext uri="{FF2B5EF4-FFF2-40B4-BE49-F238E27FC236}">
+                <a16:creationId xmlns:a16="http://schemas.microsoft.com/office/drawing/2014/main" id="{DAFF929B-10BC-4A13-8FF4-B8FEA0D7F557}"/>
+              </a:ext>
+            </a:extLst>
+          </p:cNvPr>
+          <p:cNvSpPr>
+            <a:spLocks noGrp="1"/>
+          </p:cNvSpPr>
+          <p:nvPr>
+            <p:ph type="title"/>
+          </p:nvPr>
+        </p:nvSpPr>
+        <p:spPr/>
+        <p:txBody>
+          <a:bodyPr/>
+          <a:lstStyle/>
+          <a:p>
+            <a:r>
+              <a:rPr lang="ru-RU" dirty="0"/>
+              <a:t>Методы трансформации-1 </a:t>
+            </a:r>
+          </a:p>
+        </p:txBody>
+      </p:sp>
+      <p:sp>
+        <p:nvSpPr>
+          <p:cNvPr id="3" name="Объект 2">
+            <a:extLst>
+              <a:ext uri="{FF2B5EF4-FFF2-40B4-BE49-F238E27FC236}">
+                <a16:creationId xmlns:a16="http://schemas.microsoft.com/office/drawing/2014/main" id="{49A5D3DC-77A1-48B6-9E31-A388C6245AFA}"/>
+              </a:ext>
+            </a:extLst>
+          </p:cNvPr>
+          <p:cNvSpPr>
+            <a:spLocks noGrp="1"/>
+          </p:cNvSpPr>
+          <p:nvPr>
+            <p:ph idx="1"/>
+          </p:nvPr>
+        </p:nvSpPr>
+        <p:spPr>
+          <a:xfrm>
+            <a:off x="838200" y="1825626"/>
+            <a:ext cx="10515600" cy="1042046"/>
+          </a:xfrm>
+        </p:spPr>
+        <p:txBody>
+          <a:bodyPr/>
+          <a:lstStyle/>
+          <a:p>
+            <a:r>
+              <a:rPr lang="ru-RU" dirty="0"/>
+              <a:t>Преобразование наименования в вектор вхождений слов в предложение</a:t>
+            </a:r>
+            <a:r>
+              <a:rPr lang="en-US" dirty="0"/>
+              <a:t> (</a:t>
+            </a:r>
+            <a:r>
+              <a:rPr lang="en-US" dirty="0" err="1"/>
+              <a:t>CountVectorize</a:t>
+            </a:r>
+            <a:r>
+              <a:rPr lang="en-US" dirty="0"/>
+              <a:t>)</a:t>
+            </a:r>
+            <a:endParaRPr lang="ru-RU" dirty="0"/>
+          </a:p>
+        </p:txBody>
+      </p:sp>
+      <p:pic>
+        <p:nvPicPr>
+          <p:cNvPr id="7" name="Рисунок 6">
+            <a:extLst>
+              <a:ext uri="{FF2B5EF4-FFF2-40B4-BE49-F238E27FC236}">
+                <a16:creationId xmlns:a16="http://schemas.microsoft.com/office/drawing/2014/main" id="{A57E9A5E-1669-4A60-9E63-357622B22379}"/>
+              </a:ext>
+            </a:extLst>
+          </p:cNvPr>
+          <p:cNvPicPr>
+            <a:picLocks noChangeAspect="1"/>
+          </p:cNvPicPr>
+          <p:nvPr/>
+        </p:nvPicPr>
+        <p:blipFill>
+          <a:blip r:embed="rId2"/>
+          <a:stretch>
+            <a:fillRect/>
+          </a:stretch>
+        </p:blipFill>
+        <p:spPr>
+          <a:xfrm>
+            <a:off x="1137920" y="3145308"/>
+            <a:ext cx="9763760" cy="2945962"/>
+          </a:xfrm>
+          <a:prstGeom prst="rect">
+            <a:avLst/>
+          </a:prstGeom>
+        </p:spPr>
+      </p:pic>
+    </p:spTree>
+    <p:extLst>
+      <p:ext uri="{BB962C8B-B14F-4D97-AF65-F5344CB8AC3E}">
+        <p14:creationId xmlns:p14="http://schemas.microsoft.com/office/powerpoint/2010/main" val="454032926"/>
+      </p:ext>
+    </p:extLst>
+  </p:cSld>
+  <p:clrMapOvr>
+    <a:masterClrMapping/>
+  </p:clrMapOvr>
+</p:sld>
+</file>
+
+<file path=ppt/slides/slide7.xml><?xml version="1.0" encoding="utf-8"?>
+<p:sld xmlns:a="http://schemas.openxmlformats.org/drawingml/2006/main" xmlns:r="http://schemas.openxmlformats.org/officeDocument/2006/relationships" xmlns:p="http://schemas.openxmlformats.org/presentationml/2006/main">
+  <p:cSld>
+    <p:spTree>
+      <p:nvGrpSpPr>
+        <p:cNvPr id="1" name=""/>
+        <p:cNvGrpSpPr/>
+        <p:nvPr/>
+      </p:nvGrpSpPr>
+      <p:grpSpPr>
+        <a:xfrm>
+          <a:off x="0" y="0"/>
+          <a:ext cx="0" cy="0"/>
+          <a:chOff x="0" y="0"/>
+          <a:chExt cx="0" cy="0"/>
+        </a:xfrm>
+      </p:grpSpPr>
+      <p:sp>
+        <p:nvSpPr>
+          <p:cNvPr id="2" name="Заголовок 1">
+            <a:extLst>
+              <a:ext uri="{FF2B5EF4-FFF2-40B4-BE49-F238E27FC236}">
+                <a16:creationId xmlns:a16="http://schemas.microsoft.com/office/drawing/2014/main" id="{DAFF929B-10BC-4A13-8FF4-B8FEA0D7F557}"/>
+              </a:ext>
+            </a:extLst>
+          </p:cNvPr>
+          <p:cNvSpPr>
+            <a:spLocks noGrp="1"/>
+          </p:cNvSpPr>
+          <p:nvPr>
+            <p:ph type="title"/>
+          </p:nvPr>
+        </p:nvSpPr>
+        <p:spPr/>
+        <p:txBody>
+          <a:bodyPr/>
+          <a:lstStyle/>
+          <a:p>
+            <a:r>
+              <a:rPr lang="ru-RU" dirty="0"/>
+              <a:t>Методы трансформации-2 </a:t>
+            </a:r>
+          </a:p>
+        </p:txBody>
+      </p:sp>
+      <p:sp>
+        <p:nvSpPr>
+          <p:cNvPr id="3" name="Объект 2">
+            <a:extLst>
+              <a:ext uri="{FF2B5EF4-FFF2-40B4-BE49-F238E27FC236}">
+                <a16:creationId xmlns:a16="http://schemas.microsoft.com/office/drawing/2014/main" id="{49A5D3DC-77A1-48B6-9E31-A388C6245AFA}"/>
+              </a:ext>
+            </a:extLst>
+          </p:cNvPr>
+          <p:cNvSpPr>
+            <a:spLocks noGrp="1"/>
+          </p:cNvSpPr>
+          <p:nvPr>
+            <p:ph idx="1"/>
+          </p:nvPr>
+        </p:nvSpPr>
+        <p:spPr>
+          <a:xfrm>
+            <a:off x="838200" y="1825626"/>
+            <a:ext cx="10515600" cy="1042046"/>
+          </a:xfrm>
+        </p:spPr>
+        <p:txBody>
+          <a:bodyPr/>
+          <a:lstStyle/>
+          <a:p>
+            <a:r>
+              <a:rPr lang="ru-RU" dirty="0"/>
+              <a:t>Преобразование наименования в вектор частот вхождений слов в предложение (</a:t>
+            </a:r>
+            <a:r>
+              <a:rPr lang="en-US" dirty="0" err="1"/>
+              <a:t>TFIDVectorize</a:t>
+            </a:r>
+            <a:r>
+              <a:rPr lang="en-US" dirty="0"/>
+              <a:t>)</a:t>
+            </a:r>
+            <a:endParaRPr lang="ru-RU" dirty="0"/>
+          </a:p>
+        </p:txBody>
+      </p:sp>
+      <p:pic>
+        <p:nvPicPr>
+          <p:cNvPr id="8" name="Рисунок 7">
+            <a:extLst>
+              <a:ext uri="{FF2B5EF4-FFF2-40B4-BE49-F238E27FC236}">
+                <a16:creationId xmlns:a16="http://schemas.microsoft.com/office/drawing/2014/main" id="{28C7283A-890E-47B0-8C0B-A01D1D4330DF}"/>
+              </a:ext>
+            </a:extLst>
+          </p:cNvPr>
+          <p:cNvPicPr>
+            <a:picLocks noChangeAspect="1"/>
+          </p:cNvPicPr>
+          <p:nvPr/>
+        </p:nvPicPr>
+        <p:blipFill>
+          <a:blip r:embed="rId2"/>
+          <a:stretch>
+            <a:fillRect/>
+          </a:stretch>
+        </p:blipFill>
+        <p:spPr>
+          <a:xfrm>
+            <a:off x="1432560" y="3002610"/>
+            <a:ext cx="9652000" cy="3013058"/>
+          </a:xfrm>
+          <a:prstGeom prst="rect">
+            <a:avLst/>
+          </a:prstGeom>
+        </p:spPr>
+      </p:pic>
+    </p:spTree>
+    <p:extLst>
+      <p:ext uri="{BB962C8B-B14F-4D97-AF65-F5344CB8AC3E}">
+        <p14:creationId xmlns:p14="http://schemas.microsoft.com/office/powerpoint/2010/main" val="2505841181"/>
+      </p:ext>
+    </p:extLst>
+  </p:cSld>
+  <p:clrMapOvr>
+    <a:masterClrMapping/>
+  </p:clrMapOvr>
+</p:sld>
+</file>
+
+<file path=ppt/slides/slide8.xml><?xml version="1.0" encoding="utf-8"?>
+<p:sld xmlns:a="http://schemas.openxmlformats.org/drawingml/2006/main" xmlns:r="http://schemas.openxmlformats.org/officeDocument/2006/relationships" xmlns:p="http://schemas.openxmlformats.org/presentationml/2006/main">
+  <p:cSld>
+    <p:spTree>
+      <p:nvGrpSpPr>
+        <p:cNvPr id="1" name=""/>
+        <p:cNvGrpSpPr/>
+        <p:nvPr/>
+      </p:nvGrpSpPr>
+      <p:grpSpPr>
+        <a:xfrm>
+          <a:off x="0" y="0"/>
+          <a:ext cx="0" cy="0"/>
+          <a:chOff x="0" y="0"/>
+          <a:chExt cx="0" cy="0"/>
+        </a:xfrm>
+      </p:grpSpPr>
+      <p:sp>
+        <p:nvSpPr>
+          <p:cNvPr id="2" name="Заголовок 1">
+            <a:extLst>
+              <a:ext uri="{FF2B5EF4-FFF2-40B4-BE49-F238E27FC236}">
+                <a16:creationId xmlns:a16="http://schemas.microsoft.com/office/drawing/2014/main" id="{DAFF929B-10BC-4A13-8FF4-B8FEA0D7F557}"/>
+              </a:ext>
+            </a:extLst>
+          </p:cNvPr>
+          <p:cNvSpPr>
+            <a:spLocks noGrp="1"/>
+          </p:cNvSpPr>
+          <p:nvPr>
+            <p:ph type="title"/>
+          </p:nvPr>
+        </p:nvSpPr>
+        <p:spPr/>
+        <p:txBody>
+          <a:bodyPr/>
+          <a:lstStyle/>
+          <a:p>
+            <a:r>
+              <a:rPr lang="ru-RU" dirty="0"/>
+              <a:t>Методы трансформации-3</a:t>
+            </a:r>
+          </a:p>
+        </p:txBody>
+      </p:sp>
+      <p:sp>
+        <p:nvSpPr>
+          <p:cNvPr id="3" name="Объект 2">
+            <a:extLst>
+              <a:ext uri="{FF2B5EF4-FFF2-40B4-BE49-F238E27FC236}">
+                <a16:creationId xmlns:a16="http://schemas.microsoft.com/office/drawing/2014/main" id="{49A5D3DC-77A1-48B6-9E31-A388C6245AFA}"/>
+              </a:ext>
+            </a:extLst>
+          </p:cNvPr>
+          <p:cNvSpPr>
+            <a:spLocks noGrp="1"/>
+          </p:cNvSpPr>
+          <p:nvPr>
+            <p:ph idx="1"/>
+          </p:nvPr>
+        </p:nvSpPr>
+        <p:spPr>
+          <a:xfrm>
+            <a:off x="838200" y="1825626"/>
+            <a:ext cx="10515600" cy="1042046"/>
+          </a:xfrm>
+        </p:spPr>
+        <p:txBody>
+          <a:bodyPr>
+            <a:normAutofit fontScale="92500" lnSpcReduction="20000"/>
+          </a:bodyPr>
+          <a:lstStyle/>
+          <a:p>
+            <a:r>
+              <a:rPr lang="ru-RU" dirty="0"/>
+              <a:t>Преобразование наименования в вектор частот вхождений слов в предложение и последовательное хеширование в вектор большей размерности</a:t>
+            </a:r>
+            <a:r>
+              <a:rPr lang="en-US" dirty="0"/>
+              <a:t> (</a:t>
+            </a:r>
+            <a:r>
+              <a:rPr lang="en-US" dirty="0" err="1"/>
+              <a:t>HashingVectorize</a:t>
+            </a:r>
+            <a:r>
+              <a:rPr lang="en-US" dirty="0"/>
+              <a:t>)</a:t>
+            </a:r>
+            <a:endParaRPr lang="ru-RU" dirty="0"/>
+          </a:p>
+        </p:txBody>
+      </p:sp>
+      <p:pic>
+        <p:nvPicPr>
+          <p:cNvPr id="5" name="Рисунок 4">
+            <a:extLst>
+              <a:ext uri="{FF2B5EF4-FFF2-40B4-BE49-F238E27FC236}">
+                <a16:creationId xmlns:a16="http://schemas.microsoft.com/office/drawing/2014/main" id="{F492F59F-45D8-448C-9384-AD92220F9A9F}"/>
+              </a:ext>
+            </a:extLst>
+          </p:cNvPr>
+          <p:cNvPicPr>
+            <a:picLocks noChangeAspect="1"/>
+          </p:cNvPicPr>
+          <p:nvPr/>
+        </p:nvPicPr>
+        <p:blipFill>
+          <a:blip r:embed="rId2"/>
+          <a:stretch>
+            <a:fillRect/>
+          </a:stretch>
+        </p:blipFill>
+        <p:spPr>
+          <a:xfrm>
+            <a:off x="386080" y="3008855"/>
+            <a:ext cx="11684000" cy="2707477"/>
+          </a:xfrm>
+          <a:prstGeom prst="rect">
+            <a:avLst/>
+          </a:prstGeom>
+        </p:spPr>
+      </p:pic>
+    </p:spTree>
+    <p:extLst>
+      <p:ext uri="{BB962C8B-B14F-4D97-AF65-F5344CB8AC3E}">
+        <p14:creationId xmlns:p14="http://schemas.microsoft.com/office/powerpoint/2010/main" val="3002344788"/>
+      </p:ext>
+    </p:extLst>
+  </p:cSld>
+  <p:clrMapOvr>
+    <a:masterClrMapping/>
+  </p:clrMapOvr>
+</p:sld>
+</file>
+
+<file path=ppt/slides/slide9.xml><?xml version="1.0" encoding="utf-8"?>
+<p:sld xmlns:a="http://schemas.openxmlformats.org/drawingml/2006/main" xmlns:r="http://schemas.openxmlformats.org/officeDocument/2006/relationships" xmlns:p="http://schemas.openxmlformats.org/presentationml/2006/main">
+  <p:cSld>
+    <p:spTree>
+      <p:nvGrpSpPr>
+        <p:cNvPr id="1" name=""/>
+        <p:cNvGrpSpPr/>
+        <p:nvPr/>
+      </p:nvGrpSpPr>
+      <p:grpSpPr>
+        <a:xfrm>
+          <a:off x="0" y="0"/>
+          <a:ext cx="0" cy="0"/>
+          <a:chOff x="0" y="0"/>
+          <a:chExt cx="0" cy="0"/>
+        </a:xfrm>
+      </p:grpSpPr>
+      <p:sp>
+        <p:nvSpPr>
+          <p:cNvPr id="2" name="Заголовок 1">
+            <a:extLst>
+              <a:ext uri="{FF2B5EF4-FFF2-40B4-BE49-F238E27FC236}">
+                <a16:creationId xmlns:a16="http://schemas.microsoft.com/office/drawing/2014/main" id="{DAFF929B-10BC-4A13-8FF4-B8FEA0D7F557}"/>
+              </a:ext>
+            </a:extLst>
+          </p:cNvPr>
+          <p:cNvSpPr>
+            <a:spLocks noGrp="1"/>
+          </p:cNvSpPr>
+          <p:nvPr>
+            <p:ph type="title"/>
+          </p:nvPr>
+        </p:nvSpPr>
+        <p:spPr>
+          <a:xfrm>
+            <a:off x="838200" y="365125"/>
+            <a:ext cx="10515600" cy="518795"/>
+          </a:xfrm>
+        </p:spPr>
+        <p:txBody>
+          <a:bodyPr>
+            <a:normAutofit fontScale="90000"/>
+          </a:bodyPr>
+          <a:lstStyle/>
+          <a:p>
+            <a:r>
+              <a:rPr lang="ru-RU" dirty="0"/>
+              <a:t>Выбор метода кластеризации</a:t>
+            </a:r>
+          </a:p>
+        </p:txBody>
+      </p:sp>
+      <p:sp>
+        <p:nvSpPr>
+          <p:cNvPr id="3" name="Объект 2">
+            <a:extLst>
+              <a:ext uri="{FF2B5EF4-FFF2-40B4-BE49-F238E27FC236}">
+                <a16:creationId xmlns:a16="http://schemas.microsoft.com/office/drawing/2014/main" id="{49A5D3DC-77A1-48B6-9E31-A388C6245AFA}"/>
+              </a:ext>
+            </a:extLst>
+          </p:cNvPr>
+          <p:cNvSpPr>
+            <a:spLocks noGrp="1"/>
+          </p:cNvSpPr>
+          <p:nvPr>
+            <p:ph idx="1"/>
+          </p:nvPr>
+        </p:nvSpPr>
+        <p:spPr>
+          <a:xfrm>
+            <a:off x="838200" y="981596"/>
+            <a:ext cx="10515600" cy="1042046"/>
+          </a:xfrm>
+        </p:spPr>
+        <p:txBody>
+          <a:bodyPr>
+            <a:normAutofit/>
+          </a:bodyPr>
+          <a:lstStyle/>
+          <a:p>
+            <a:r>
+              <a:rPr lang="ru-RU" dirty="0"/>
+              <a:t>Так как нет понимания сколько кластеров требуется, был выбран метод распространения родственности </a:t>
+            </a:r>
+            <a:r>
+              <a:rPr lang="en-US" dirty="0"/>
+              <a:t>(Affinity Propagation)</a:t>
+            </a:r>
+            <a:endParaRPr lang="ru-RU" dirty="0"/>
+          </a:p>
+        </p:txBody>
+      </p:sp>
+      <p:pic>
+        <p:nvPicPr>
+          <p:cNvPr id="6" name="Рисунок 5">
+            <a:extLst>
+              <a:ext uri="{FF2B5EF4-FFF2-40B4-BE49-F238E27FC236}">
+                <a16:creationId xmlns:a16="http://schemas.microsoft.com/office/drawing/2014/main" id="{E4943822-53F1-4D46-A46E-BDCF2238144C}"/>
+              </a:ext>
+            </a:extLst>
+          </p:cNvPr>
+          <p:cNvPicPr>
+            <a:picLocks noChangeAspect="1"/>
+          </p:cNvPicPr>
+          <p:nvPr/>
+        </p:nvPicPr>
+        <p:blipFill>
+          <a:blip r:embed="rId2">
+            <a:extLst>
+              <a:ext uri="{28A0092B-C50C-407E-A947-70E740481C1C}">
+                <a14:useLocalDpi xmlns:a14="http://schemas.microsoft.com/office/drawing/2010/main" val="0"/>
+              </a:ext>
+            </a:extLst>
+          </a:blip>
+          <a:stretch>
+            <a:fillRect/>
+          </a:stretch>
+        </p:blipFill>
+        <p:spPr>
+          <a:xfrm>
+            <a:off x="2143760" y="2121318"/>
+            <a:ext cx="8081723" cy="4155707"/>
+          </a:xfrm>
+          <a:prstGeom prst="rect">
+            <a:avLst/>
+          </a:prstGeom>
+        </p:spPr>
+      </p:pic>
+    </p:spTree>
+    <p:extLst>
+      <p:ext uri="{BB962C8B-B14F-4D97-AF65-F5344CB8AC3E}">
+        <p14:creationId xmlns:p14="http://schemas.microsoft.com/office/powerpoint/2010/main" val="1984570330"/>
       </p:ext>
     </p:extLst>
   </p:cSld>

--- a/Отчет/speech.pptx
+++ b/Отчет/speech.pptx
@@ -5,7 +5,7 @@
     <p:sldMasterId id="2147483648" r:id="rId1"/>
   </p:sldMasterIdLst>
   <p:notesMasterIdLst>
-    <p:notesMasterId r:id="rId12"/>
+    <p:notesMasterId r:id="rId13"/>
   </p:notesMasterIdLst>
   <p:sldIdLst>
     <p:sldId id="257" r:id="rId2"/>
@@ -18,6 +18,7 @@
     <p:sldId id="324" r:id="rId9"/>
     <p:sldId id="325" r:id="rId10"/>
     <p:sldId id="326" r:id="rId11"/>
+    <p:sldId id="327" r:id="rId12"/>
   </p:sldIdLst>
   <p:sldSz cx="12192000" cy="6858000"/>
   <p:notesSz cx="6858000" cy="9144000"/>
@@ -4286,7 +4287,7 @@
               <a:rPr lang="ru-RU" dirty="0">
                 <a:cs typeface="Times New Roman" panose="02020603050405020304" pitchFamily="18" charset="0"/>
               </a:rPr>
-              <a:t>студент МАИ</a:t>
+              <a:t>Студент группы М8О-101М-21</a:t>
             </a:r>
           </a:p>
           <a:p>
@@ -4471,7 +4472,7 @@
         </p:blipFill>
         <p:spPr bwMode="auto">
           <a:xfrm>
-            <a:off x="1076731" y="899992"/>
+            <a:off x="886242" y="1167907"/>
             <a:ext cx="10419515" cy="1743674"/>
           </a:xfrm>
           <a:prstGeom prst="rect">
@@ -4505,8 +4506,8 @@
         </p:nvSpPr>
         <p:spPr bwMode="auto">
           <a:xfrm>
-            <a:off x="2384206" y="370595"/>
-            <a:ext cx="9112040" cy="2308324"/>
+            <a:off x="2291147" y="211130"/>
+            <a:ext cx="9112040" cy="3139321"/>
           </a:xfrm>
           <a:prstGeom prst="rect">
             <a:avLst/>
@@ -4921,6 +4922,72 @@
               </a:rPr>
               <a:t>   (национальный исследовательский университет)»</a:t>
             </a:r>
+          </a:p>
+          <a:p>
+            <a:pPr marL="0" marR="0" lvl="0" indent="0" algn="ctr" defTabSz="914400" rtl="0" eaLnBrk="0" fontAlgn="base" latinLnBrk="0" hangingPunct="0">
+              <a:lnSpc>
+                <a:spcPct val="100000"/>
+              </a:lnSpc>
+              <a:spcBef>
+                <a:spcPct val="0"/>
+              </a:spcBef>
+              <a:spcAft>
+                <a:spcPct val="0"/>
+              </a:spcAft>
+              <a:buClrTx/>
+              <a:buSzTx/>
+              <a:buFontTx/>
+              <a:buNone/>
+              <a:tabLst/>
+            </a:pPr>
+            <a:endParaRPr kumimoji="0" lang="ru-RU" altLang="ru-RU" b="0" i="0" u="none" strike="noStrike" cap="none" normalizeH="0" baseline="0" dirty="0">
+              <a:ln>
+                <a:noFill/>
+              </a:ln>
+              <a:solidFill>
+                <a:srgbClr val="000000"/>
+              </a:solidFill>
+              <a:effectLst/>
+              <a:latin typeface="Arial" panose="020B0604020202020204" pitchFamily="34" charset="0"/>
+              <a:ea typeface="Times New Roman" panose="02020603050405020304" pitchFamily="18" charset="0"/>
+            </a:endParaRPr>
+          </a:p>
+          <a:p>
+            <a:pPr algn="ctr"/>
+            <a:r>
+              <a:rPr lang="ru-RU" altLang="ru-RU" dirty="0">
+                <a:solidFill>
+                  <a:srgbClr val="000000"/>
+                </a:solidFill>
+              </a:rPr>
+              <a:t>Кафедра 804 </a:t>
+            </a:r>
+            <a:r>
+              <a:rPr lang="ru-RU" dirty="0">
+                <a:solidFill>
+                  <a:srgbClr val="000000"/>
+                </a:solidFill>
+              </a:rPr>
+              <a:t>«Теория вероятностей и компьютерное моделирование» </a:t>
+            </a:r>
+          </a:p>
+          <a:p>
+            <a:pPr marL="0" marR="0" lvl="0" indent="0" algn="ctr" defTabSz="914400" rtl="0" eaLnBrk="0" fontAlgn="base" latinLnBrk="0" hangingPunct="0">
+              <a:lnSpc>
+                <a:spcPct val="100000"/>
+              </a:lnSpc>
+              <a:spcBef>
+                <a:spcPct val="0"/>
+              </a:spcBef>
+              <a:spcAft>
+                <a:spcPct val="0"/>
+              </a:spcAft>
+              <a:buClrTx/>
+              <a:buSzTx/>
+              <a:buFontTx/>
+              <a:buNone/>
+              <a:tabLst/>
+            </a:pPr>
             <a:endParaRPr kumimoji="0" lang="ru-RU" altLang="ru-RU" b="0" i="0" u="none" strike="noStrike" cap="none" normalizeH="0" baseline="0" dirty="0">
               <a:ln>
                 <a:noFill/>
@@ -5079,10 +5146,187 @@
           </a:p>
         </p:txBody>
       </p:sp>
+      <p:sp>
+        <p:nvSpPr>
+          <p:cNvPr id="4" name="Номер слайда 3">
+            <a:extLst>
+              <a:ext uri="{FF2B5EF4-FFF2-40B4-BE49-F238E27FC236}">
+                <a16:creationId xmlns:a16="http://schemas.microsoft.com/office/drawing/2014/main" id="{DA71C404-4895-4002-A120-56C124CB013D}"/>
+              </a:ext>
+            </a:extLst>
+          </p:cNvPr>
+          <p:cNvSpPr>
+            <a:spLocks noGrp="1"/>
+          </p:cNvSpPr>
+          <p:nvPr>
+            <p:ph type="sldNum" sz="quarter" idx="12"/>
+          </p:nvPr>
+        </p:nvSpPr>
+        <p:spPr>
+          <a:xfrm>
+            <a:off x="10715299" y="5992340"/>
+            <a:ext cx="1142245" cy="669925"/>
+          </a:xfrm>
+        </p:spPr>
+        <p:txBody>
+          <a:bodyPr/>
+          <a:lstStyle/>
+          <a:p>
+            <a:fld id="{215F4EE3-9A7A-4F14-9A4C-17DDDD407085}" type="slidenum">
+              <a:rPr lang="ru-RU" sz="3200" smtClean="0">
+                <a:solidFill>
+                  <a:schemeClr val="tx1"/>
+                </a:solidFill>
+              </a:rPr>
+              <a:t>10</a:t>
+            </a:fld>
+            <a:endParaRPr lang="ru-RU" sz="3200" dirty="0">
+              <a:solidFill>
+                <a:schemeClr val="tx1"/>
+              </a:solidFill>
+            </a:endParaRPr>
+          </a:p>
+        </p:txBody>
+      </p:sp>
     </p:spTree>
     <p:extLst>
       <p:ext uri="{BB962C8B-B14F-4D97-AF65-F5344CB8AC3E}">
         <p14:creationId xmlns:p14="http://schemas.microsoft.com/office/powerpoint/2010/main" val="4241783169"/>
+      </p:ext>
+    </p:extLst>
+  </p:cSld>
+  <p:clrMapOvr>
+    <a:masterClrMapping/>
+  </p:clrMapOvr>
+</p:sld>
+</file>
+
+<file path=ppt/slides/slide11.xml><?xml version="1.0" encoding="utf-8"?>
+<p:sld xmlns:a="http://schemas.openxmlformats.org/drawingml/2006/main" xmlns:r="http://schemas.openxmlformats.org/officeDocument/2006/relationships" xmlns:p="http://schemas.openxmlformats.org/presentationml/2006/main">
+  <p:cSld>
+    <p:spTree>
+      <p:nvGrpSpPr>
+        <p:cNvPr id="1" name=""/>
+        <p:cNvGrpSpPr/>
+        <p:nvPr/>
+      </p:nvGrpSpPr>
+      <p:grpSpPr>
+        <a:xfrm>
+          <a:off x="0" y="0"/>
+          <a:ext cx="0" cy="0"/>
+          <a:chOff x="0" y="0"/>
+          <a:chExt cx="0" cy="0"/>
+        </a:xfrm>
+      </p:grpSpPr>
+      <p:sp>
+        <p:nvSpPr>
+          <p:cNvPr id="2" name="Заголовок 1">
+            <a:extLst>
+              <a:ext uri="{FF2B5EF4-FFF2-40B4-BE49-F238E27FC236}">
+                <a16:creationId xmlns:a16="http://schemas.microsoft.com/office/drawing/2014/main" id="{312C8578-8A8B-4215-B0FB-ED3060C0BE19}"/>
+              </a:ext>
+            </a:extLst>
+          </p:cNvPr>
+          <p:cNvSpPr>
+            <a:spLocks noGrp="1"/>
+          </p:cNvSpPr>
+          <p:nvPr>
+            <p:ph type="title"/>
+          </p:nvPr>
+        </p:nvSpPr>
+        <p:spPr>
+          <a:xfrm>
+            <a:off x="1264328" y="329614"/>
+            <a:ext cx="9271305" cy="1325563"/>
+          </a:xfrm>
+        </p:spPr>
+        <p:txBody>
+          <a:bodyPr/>
+          <a:lstStyle/>
+          <a:p>
+            <a:pPr algn="ctr"/>
+            <a:r>
+              <a:rPr lang="ru-RU" dirty="0"/>
+              <a:t>Спасибо за внимание!</a:t>
+            </a:r>
+          </a:p>
+        </p:txBody>
+      </p:sp>
+      <p:pic>
+        <p:nvPicPr>
+          <p:cNvPr id="5" name="Рисунок 4">
+            <a:extLst>
+              <a:ext uri="{FF2B5EF4-FFF2-40B4-BE49-F238E27FC236}">
+                <a16:creationId xmlns:a16="http://schemas.microsoft.com/office/drawing/2014/main" id="{0907E289-B9C3-49FA-8CDD-ADCF20F2FCD5}"/>
+              </a:ext>
+            </a:extLst>
+          </p:cNvPr>
+          <p:cNvPicPr>
+            <a:picLocks noChangeAspect="1"/>
+          </p:cNvPicPr>
+          <p:nvPr/>
+        </p:nvPicPr>
+        <p:blipFill rotWithShape="1">
+          <a:blip r:embed="rId2">
+            <a:extLst>
+              <a:ext uri="{28A0092B-C50C-407E-A947-70E740481C1C}">
+                <a14:useLocalDpi xmlns:a14="http://schemas.microsoft.com/office/drawing/2010/main" val="0"/>
+              </a:ext>
+            </a:extLst>
+          </a:blip>
+          <a:srcRect t="8996" b="8996"/>
+          <a:stretch/>
+        </p:blipFill>
+        <p:spPr>
+          <a:xfrm>
+            <a:off x="2230478" y="1904260"/>
+            <a:ext cx="2631528" cy="3090026"/>
+          </a:xfrm>
+          <a:prstGeom prst="rect">
+            <a:avLst/>
+          </a:prstGeom>
+        </p:spPr>
+      </p:pic>
+      <p:pic>
+        <p:nvPicPr>
+          <p:cNvPr id="7" name="Рисунок 6">
+            <a:extLst>
+              <a:ext uri="{FF2B5EF4-FFF2-40B4-BE49-F238E27FC236}">
+                <a16:creationId xmlns:a16="http://schemas.microsoft.com/office/drawing/2014/main" id="{2DE6A214-2850-4DB6-A910-401D6797FAC0}"/>
+              </a:ext>
+            </a:extLst>
+          </p:cNvPr>
+          <p:cNvPicPr>
+            <a:picLocks noChangeAspect="1"/>
+          </p:cNvPicPr>
+          <p:nvPr/>
+        </p:nvPicPr>
+        <p:blipFill>
+          <a:blip r:embed="rId3">
+            <a:extLst>
+              <a:ext uri="{28A0092B-C50C-407E-A947-70E740481C1C}">
+                <a14:useLocalDpi xmlns:a14="http://schemas.microsoft.com/office/drawing/2010/main" val="0"/>
+              </a:ext>
+            </a:extLst>
+          </a:blip>
+          <a:stretch>
+            <a:fillRect/>
+          </a:stretch>
+        </p:blipFill>
+        <p:spPr>
+          <a:xfrm>
+            <a:off x="6893520" y="1904260"/>
+            <a:ext cx="3215985" cy="3090026"/>
+          </a:xfrm>
+          <a:prstGeom prst="rect">
+            <a:avLst/>
+          </a:prstGeom>
+        </p:spPr>
+      </p:pic>
+    </p:spTree>
+    <p:extLst>
+      <p:ext uri="{BB962C8B-B14F-4D97-AF65-F5344CB8AC3E}">
+        <p14:creationId xmlns:p14="http://schemas.microsoft.com/office/powerpoint/2010/main" val="2190473257"/>
       </p:ext>
     </p:extLst>
   </p:cSld>
@@ -5144,48 +5388,6 @@
       </p:sp>
       <p:sp>
         <p:nvSpPr>
-          <p:cNvPr id="4" name="Номер слайда 3">
-            <a:extLst>
-              <a:ext uri="{FF2B5EF4-FFF2-40B4-BE49-F238E27FC236}">
-                <a16:creationId xmlns:a16="http://schemas.microsoft.com/office/drawing/2014/main" id="{C964656E-1873-409E-87BE-ED317C9FF2AC}"/>
-              </a:ext>
-            </a:extLst>
-          </p:cNvPr>
-          <p:cNvSpPr>
-            <a:spLocks noGrp="1"/>
-          </p:cNvSpPr>
-          <p:nvPr>
-            <p:ph type="sldNum" sz="quarter" idx="12"/>
-          </p:nvPr>
-        </p:nvSpPr>
-        <p:spPr>
-          <a:xfrm>
-            <a:off x="10813370" y="6041938"/>
-            <a:ext cx="1142245" cy="669925"/>
-          </a:xfrm>
-        </p:spPr>
-        <p:txBody>
-          <a:bodyPr/>
-          <a:lstStyle/>
-          <a:p>
-            <a:fld id="{215F4EE3-9A7A-4F14-9A4C-17DDDD407085}" type="slidenum">
-              <a:rPr lang="ru-RU" sz="3200" smtClean="0">
-                <a:solidFill>
-                  <a:schemeClr val="tx1"/>
-                </a:solidFill>
-              </a:rPr>
-              <a:t>2</a:t>
-            </a:fld>
-            <a:endParaRPr lang="ru-RU" sz="3200" dirty="0">
-              <a:solidFill>
-                <a:schemeClr val="tx1"/>
-              </a:solidFill>
-            </a:endParaRPr>
-          </a:p>
-        </p:txBody>
-      </p:sp>
-      <p:sp>
-        <p:nvSpPr>
           <p:cNvPr id="9" name="TextBox 8">
             <a:extLst>
               <a:ext uri="{FF2B5EF4-FFF2-40B4-BE49-F238E27FC236}">
@@ -5296,6 +5498,48 @@
           </a:prstGeom>
         </p:spPr>
       </p:pic>
+      <p:sp>
+        <p:nvSpPr>
+          <p:cNvPr id="7" name="Номер слайда 3">
+            <a:extLst>
+              <a:ext uri="{FF2B5EF4-FFF2-40B4-BE49-F238E27FC236}">
+                <a16:creationId xmlns:a16="http://schemas.microsoft.com/office/drawing/2014/main" id="{79BA9700-CC17-4FE3-B569-3FE4E68BF75F}"/>
+              </a:ext>
+            </a:extLst>
+          </p:cNvPr>
+          <p:cNvSpPr>
+            <a:spLocks noGrp="1"/>
+          </p:cNvSpPr>
+          <p:nvPr>
+            <p:ph type="sldNum" sz="quarter" idx="12"/>
+          </p:nvPr>
+        </p:nvSpPr>
+        <p:spPr>
+          <a:xfrm>
+            <a:off x="10715299" y="5992340"/>
+            <a:ext cx="1142245" cy="669925"/>
+          </a:xfrm>
+        </p:spPr>
+        <p:txBody>
+          <a:bodyPr/>
+          <a:lstStyle/>
+          <a:p>
+            <a:fld id="{215F4EE3-9A7A-4F14-9A4C-17DDDD407085}" type="slidenum">
+              <a:rPr lang="ru-RU" sz="3200" smtClean="0">
+                <a:solidFill>
+                  <a:schemeClr val="tx1"/>
+                </a:solidFill>
+              </a:rPr>
+              <a:t>2</a:t>
+            </a:fld>
+            <a:endParaRPr lang="ru-RU" sz="3200" dirty="0">
+              <a:solidFill>
+                <a:schemeClr val="tx1"/>
+              </a:solidFill>
+            </a:endParaRPr>
+          </a:p>
+        </p:txBody>
+      </p:sp>
     </p:spTree>
     <p:extLst>
       <p:ext uri="{BB962C8B-B14F-4D97-AF65-F5344CB8AC3E}">
@@ -5400,23 +5644,163 @@
       </p:sp>
       <p:sp>
         <p:nvSpPr>
-          <p:cNvPr id="4" name="Номер слайда 3">
-            <a:extLst>
-              <a:ext uri="{FF2B5EF4-FFF2-40B4-BE49-F238E27FC236}">
-                <a16:creationId xmlns:a16="http://schemas.microsoft.com/office/drawing/2014/main" id="{137E0CFE-8EEC-47EB-9269-8BC44CCA3B4B}"/>
-              </a:ext>
-            </a:extLst>
-          </p:cNvPr>
-          <p:cNvSpPr>
-            <a:spLocks noGrp="1"/>
-          </p:cNvSpPr>
-          <p:nvPr>
-            <p:ph type="sldNum" sz="quarter" idx="12"/>
-          </p:nvPr>
+          <p:cNvPr id="5" name="Прямоугольник 4">
+            <a:extLst>
+              <a:ext uri="{FF2B5EF4-FFF2-40B4-BE49-F238E27FC236}">
+                <a16:creationId xmlns:a16="http://schemas.microsoft.com/office/drawing/2014/main" id="{2E35EEF9-780C-4471-BC54-9C8095903C4E}"/>
+              </a:ext>
+            </a:extLst>
+          </p:cNvPr>
+          <p:cNvSpPr/>
+          <p:nvPr/>
         </p:nvSpPr>
         <p:spPr>
           <a:xfrm>
-            <a:off x="10788743" y="6029412"/>
+            <a:off x="721790" y="3476613"/>
+            <a:ext cx="10217265" cy="2620397"/>
+          </a:xfrm>
+          <a:prstGeom prst="rect">
+            <a:avLst/>
+          </a:prstGeom>
+        </p:spPr>
+        <p:txBody>
+          <a:bodyPr wrap="square">
+            <a:spAutoFit/>
+          </a:bodyPr>
+          <a:lstStyle/>
+          <a:p>
+            <a:r>
+              <a:rPr lang="ru-RU" sz="2400" b="1" dirty="0">
+                <a:solidFill>
+                  <a:schemeClr val="tx1">
+                    <a:lumMod val="65000"/>
+                    <a:lumOff val="35000"/>
+                  </a:schemeClr>
+                </a:solidFill>
+              </a:rPr>
+              <a:t>Задачи:</a:t>
+            </a:r>
+          </a:p>
+          <a:p>
+            <a:pPr marL="803275" indent="-268288">
+              <a:lnSpc>
+                <a:spcPct val="150000"/>
+              </a:lnSpc>
+              <a:buFont typeface="Arial" panose="020B0604020202020204" pitchFamily="34" charset="0"/>
+              <a:buChar char="•"/>
+            </a:pPr>
+            <a:r>
+              <a:rPr lang="ru-RU" sz="2400" dirty="0">
+                <a:solidFill>
+                  <a:schemeClr val="tx1">
+                    <a:lumMod val="65000"/>
+                    <a:lumOff val="35000"/>
+                  </a:schemeClr>
+                </a:solidFill>
+              </a:rPr>
+              <a:t>Создание набора данных</a:t>
+            </a:r>
+            <a:r>
+              <a:rPr lang="en-US" sz="2400" dirty="0">
+                <a:solidFill>
+                  <a:schemeClr val="tx1">
+                    <a:lumMod val="65000"/>
+                    <a:lumOff val="35000"/>
+                  </a:schemeClr>
+                </a:solidFill>
+              </a:rPr>
+              <a:t>;</a:t>
+            </a:r>
+            <a:endParaRPr lang="ru-RU" sz="2400" dirty="0">
+              <a:solidFill>
+                <a:schemeClr val="tx1">
+                  <a:lumMod val="65000"/>
+                  <a:lumOff val="35000"/>
+                </a:schemeClr>
+              </a:solidFill>
+            </a:endParaRPr>
+          </a:p>
+          <a:p>
+            <a:pPr marL="803275" indent="-268288">
+              <a:lnSpc>
+                <a:spcPct val="150000"/>
+              </a:lnSpc>
+              <a:buFont typeface="Arial" panose="020B0604020202020204" pitchFamily="34" charset="0"/>
+              <a:buChar char="•"/>
+            </a:pPr>
+            <a:r>
+              <a:rPr lang="ru-RU" sz="2400" dirty="0">
+                <a:solidFill>
+                  <a:schemeClr val="tx1">
+                    <a:lumMod val="65000"/>
+                    <a:lumOff val="35000"/>
+                  </a:schemeClr>
+                </a:solidFill>
+              </a:rPr>
+              <a:t>Исследование набора данных</a:t>
+            </a:r>
+          </a:p>
+          <a:p>
+            <a:pPr marL="803275" indent="-268288">
+              <a:lnSpc>
+                <a:spcPct val="150000"/>
+              </a:lnSpc>
+              <a:buFont typeface="Arial" panose="020B0604020202020204" pitchFamily="34" charset="0"/>
+              <a:buChar char="•"/>
+            </a:pPr>
+            <a:r>
+              <a:rPr lang="ru-RU" sz="2400" dirty="0">
+                <a:solidFill>
+                  <a:schemeClr val="tx1">
+                    <a:lumMod val="65000"/>
+                    <a:lumOff val="35000"/>
+                  </a:schemeClr>
+                </a:solidFill>
+              </a:rPr>
+              <a:t>Выбор метода трансформации текста в вектор</a:t>
+            </a:r>
+          </a:p>
+          <a:p>
+            <a:pPr marL="803275" indent="-268288">
+              <a:lnSpc>
+                <a:spcPct val="150000"/>
+              </a:lnSpc>
+              <a:buFont typeface="Arial" panose="020B0604020202020204" pitchFamily="34" charset="0"/>
+              <a:buChar char="•"/>
+            </a:pPr>
+            <a:r>
+              <a:rPr lang="ru-RU" sz="2400" dirty="0">
+                <a:solidFill>
+                  <a:schemeClr val="tx1">
+                    <a:lumMod val="65000"/>
+                    <a:lumOff val="35000"/>
+                  </a:schemeClr>
+                </a:solidFill>
+              </a:rPr>
+              <a:t>Выбор метода кластеризации</a:t>
+            </a:r>
+          </a:p>
+        </p:txBody>
+      </p:sp>
+      <p:sp>
+        <p:nvSpPr>
+          <p:cNvPr id="6" name="Номер слайда 3">
+            <a:extLst>
+              <a:ext uri="{FF2B5EF4-FFF2-40B4-BE49-F238E27FC236}">
+                <a16:creationId xmlns:a16="http://schemas.microsoft.com/office/drawing/2014/main" id="{CDD0982F-11BE-48F1-A51E-BB5E3FDCF2FE}"/>
+              </a:ext>
+            </a:extLst>
+          </p:cNvPr>
+          <p:cNvSpPr>
+            <a:spLocks noGrp="1"/>
+          </p:cNvSpPr>
+          <p:nvPr>
+            <p:ph type="sldNum" sz="quarter" idx="12"/>
+          </p:nvPr>
+        </p:nvSpPr>
+        <p:spPr>
+          <a:xfrm>
+            <a:off x="10715299" y="5992340"/>
             <a:ext cx="1142245" cy="669925"/>
           </a:xfrm>
         </p:spPr>
@@ -5437,146 +5821,6 @@
                 <a:schemeClr val="tx1"/>
               </a:solidFill>
             </a:endParaRPr>
-          </a:p>
-        </p:txBody>
-      </p:sp>
-      <p:sp>
-        <p:nvSpPr>
-          <p:cNvPr id="5" name="Прямоугольник 4">
-            <a:extLst>
-              <a:ext uri="{FF2B5EF4-FFF2-40B4-BE49-F238E27FC236}">
-                <a16:creationId xmlns:a16="http://schemas.microsoft.com/office/drawing/2014/main" id="{2E35EEF9-780C-4471-BC54-9C8095903C4E}"/>
-              </a:ext>
-            </a:extLst>
-          </p:cNvPr>
-          <p:cNvSpPr/>
-          <p:nvPr/>
-        </p:nvSpPr>
-        <p:spPr>
-          <a:xfrm>
-            <a:off x="721790" y="3476613"/>
-            <a:ext cx="10217265" cy="2620397"/>
-          </a:xfrm>
-          <a:prstGeom prst="rect">
-            <a:avLst/>
-          </a:prstGeom>
-        </p:spPr>
-        <p:txBody>
-          <a:bodyPr wrap="square">
-            <a:spAutoFit/>
-          </a:bodyPr>
-          <a:lstStyle/>
-          <a:p>
-            <a:r>
-              <a:rPr lang="ru-RU" sz="2400" b="1" dirty="0">
-                <a:solidFill>
-                  <a:schemeClr val="tx1">
-                    <a:lumMod val="65000"/>
-                    <a:lumOff val="35000"/>
-                  </a:schemeClr>
-                </a:solidFill>
-              </a:rPr>
-              <a:t>Задачи:</a:t>
-            </a:r>
-          </a:p>
-          <a:p>
-            <a:pPr marL="803275" indent="-268288">
-              <a:lnSpc>
-                <a:spcPct val="150000"/>
-              </a:lnSpc>
-              <a:buFont typeface="Arial" panose="020B0604020202020204" pitchFamily="34" charset="0"/>
-              <a:buChar char="•"/>
-            </a:pPr>
-            <a:r>
-              <a:rPr lang="ru-RU" sz="2400" dirty="0">
-                <a:solidFill>
-                  <a:schemeClr val="tx1">
-                    <a:lumMod val="65000"/>
-                    <a:lumOff val="35000"/>
-                  </a:schemeClr>
-                </a:solidFill>
-              </a:rPr>
-              <a:t>Создание набора данных</a:t>
-            </a:r>
-            <a:r>
-              <a:rPr lang="en-US" sz="2400" dirty="0">
-                <a:solidFill>
-                  <a:schemeClr val="tx1">
-                    <a:lumMod val="65000"/>
-                    <a:lumOff val="35000"/>
-                  </a:schemeClr>
-                </a:solidFill>
-              </a:rPr>
-              <a:t>;</a:t>
-            </a:r>
-            <a:endParaRPr lang="ru-RU" sz="2400" dirty="0">
-              <a:solidFill>
-                <a:schemeClr val="tx1">
-                  <a:lumMod val="65000"/>
-                  <a:lumOff val="35000"/>
-                </a:schemeClr>
-              </a:solidFill>
-            </a:endParaRPr>
-          </a:p>
-          <a:p>
-            <a:pPr marL="803275" indent="-268288">
-              <a:lnSpc>
-                <a:spcPct val="150000"/>
-              </a:lnSpc>
-              <a:buFont typeface="Arial" panose="020B0604020202020204" pitchFamily="34" charset="0"/>
-              <a:buChar char="•"/>
-            </a:pPr>
-            <a:r>
-              <a:rPr lang="ru-RU" sz="2400" dirty="0">
-                <a:solidFill>
-                  <a:schemeClr val="tx1">
-                    <a:lumMod val="65000"/>
-                    <a:lumOff val="35000"/>
-                  </a:schemeClr>
-                </a:solidFill>
-              </a:rPr>
-              <a:t>Исследование набора данных</a:t>
-            </a:r>
-          </a:p>
-          <a:p>
-            <a:pPr marL="803275" indent="-268288">
-              <a:lnSpc>
-                <a:spcPct val="150000"/>
-              </a:lnSpc>
-              <a:buFont typeface="Arial" panose="020B0604020202020204" pitchFamily="34" charset="0"/>
-              <a:buChar char="•"/>
-            </a:pPr>
-            <a:r>
-              <a:rPr lang="ru-RU" sz="2400" dirty="0">
-                <a:solidFill>
-                  <a:schemeClr val="tx1">
-                    <a:lumMod val="65000"/>
-                    <a:lumOff val="35000"/>
-                  </a:schemeClr>
-                </a:solidFill>
-              </a:rPr>
-              <a:t>Выбор метода трансформации текста в вектор</a:t>
-            </a:r>
-          </a:p>
-          <a:p>
-            <a:pPr marL="803275" indent="-268288">
-              <a:lnSpc>
-                <a:spcPct val="150000"/>
-              </a:lnSpc>
-              <a:buFont typeface="Arial" panose="020B0604020202020204" pitchFamily="34" charset="0"/>
-              <a:buChar char="•"/>
-            </a:pPr>
-            <a:r>
-              <a:rPr lang="ru-RU" sz="2400" dirty="0">
-                <a:solidFill>
-                  <a:schemeClr val="tx1">
-                    <a:lumMod val="65000"/>
-                    <a:lumOff val="35000"/>
-                  </a:schemeClr>
-                </a:solidFill>
-              </a:rPr>
-              <a:t>Выбор метода кластеризации</a:t>
-            </a:r>
           </a:p>
         </p:txBody>
       </p:sp>
@@ -5647,10 +5891,127 @@
       </p:sp>
       <p:sp>
         <p:nvSpPr>
-          <p:cNvPr id="4" name="Номер слайда 3">
-            <a:extLst>
-              <a:ext uri="{FF2B5EF4-FFF2-40B4-BE49-F238E27FC236}">
-                <a16:creationId xmlns:a16="http://schemas.microsoft.com/office/drawing/2014/main" id="{36E4A91D-59A5-4A51-A04C-9C25146A0BCD}"/>
+          <p:cNvPr id="5" name="TextBox 4">
+            <a:extLst>
+              <a:ext uri="{FF2B5EF4-FFF2-40B4-BE49-F238E27FC236}">
+                <a16:creationId xmlns:a16="http://schemas.microsoft.com/office/drawing/2014/main" id="{21457974-9177-4E93-94F3-5D9BF396588D}"/>
+              </a:ext>
+            </a:extLst>
+          </p:cNvPr>
+          <p:cNvSpPr txBox="1"/>
+          <p:nvPr/>
+        </p:nvSpPr>
+        <p:spPr>
+          <a:xfrm>
+            <a:off x="902726" y="1007569"/>
+            <a:ext cx="9144001" cy="1846659"/>
+          </a:xfrm>
+          <a:prstGeom prst="rect">
+            <a:avLst/>
+          </a:prstGeom>
+          <a:noFill/>
+        </p:spPr>
+        <p:txBody>
+          <a:bodyPr wrap="square" rtlCol="0">
+            <a:spAutoFit/>
+          </a:bodyPr>
+          <a:lstStyle/>
+          <a:p>
+            <a:pPr marL="457200" indent="-457200">
+              <a:lnSpc>
+                <a:spcPct val="150000"/>
+              </a:lnSpc>
+              <a:buFont typeface="Arial" panose="020B0604020202020204" pitchFamily="34" charset="0"/>
+              <a:buChar char="•"/>
+            </a:pPr>
+            <a:r>
+              <a:rPr lang="ru-RU" sz="3200" dirty="0"/>
+              <a:t>Источник данных</a:t>
+            </a:r>
+          </a:p>
+          <a:p>
+            <a:pPr marL="457200" indent="-457200">
+              <a:lnSpc>
+                <a:spcPct val="150000"/>
+              </a:lnSpc>
+              <a:buFont typeface="Arial" panose="020B0604020202020204" pitchFamily="34" charset="0"/>
+              <a:buChar char="•"/>
+            </a:pPr>
+            <a:r>
+              <a:rPr lang="ru-RU" sz="3200" dirty="0"/>
+              <a:t>Формат файла для обработки</a:t>
+            </a:r>
+          </a:p>
+          <a:p>
+            <a:endParaRPr lang="ru-RU" dirty="0"/>
+          </a:p>
+        </p:txBody>
+      </p:sp>
+      <p:pic>
+        <p:nvPicPr>
+          <p:cNvPr id="6" name="Рисунок 5">
+            <a:extLst>
+              <a:ext uri="{FF2B5EF4-FFF2-40B4-BE49-F238E27FC236}">
+                <a16:creationId xmlns:a16="http://schemas.microsoft.com/office/drawing/2014/main" id="{1DD71E59-A1AA-453D-94C4-FACE64469E61}"/>
+              </a:ext>
+            </a:extLst>
+          </p:cNvPr>
+          <p:cNvPicPr>
+            <a:picLocks noChangeAspect="1"/>
+          </p:cNvPicPr>
+          <p:nvPr/>
+        </p:nvPicPr>
+        <p:blipFill rotWithShape="1">
+          <a:blip r:embed="rId3"/>
+          <a:srcRect l="10243"/>
+          <a:stretch/>
+        </p:blipFill>
+        <p:spPr>
+          <a:xfrm>
+            <a:off x="8150701" y="1327161"/>
+            <a:ext cx="3135720" cy="2118862"/>
+          </a:xfrm>
+          <a:prstGeom prst="rect">
+            <a:avLst/>
+          </a:prstGeom>
+        </p:spPr>
+      </p:pic>
+      <p:pic>
+        <p:nvPicPr>
+          <p:cNvPr id="11" name="Рисунок 10">
+            <a:extLst>
+              <a:ext uri="{FF2B5EF4-FFF2-40B4-BE49-F238E27FC236}">
+                <a16:creationId xmlns:a16="http://schemas.microsoft.com/office/drawing/2014/main" id="{32885D98-A4D2-4F39-B16A-F18A398C54DF}"/>
+              </a:ext>
+            </a:extLst>
+          </p:cNvPr>
+          <p:cNvPicPr>
+            <a:picLocks noChangeAspect="1"/>
+          </p:cNvPicPr>
+          <p:nvPr/>
+        </p:nvPicPr>
+        <p:blipFill>
+          <a:blip r:embed="rId4"/>
+          <a:stretch>
+            <a:fillRect/>
+          </a:stretch>
+        </p:blipFill>
+        <p:spPr>
+          <a:xfrm>
+            <a:off x="1372895" y="3056221"/>
+            <a:ext cx="5540521" cy="2794210"/>
+          </a:xfrm>
+          <a:prstGeom prst="rect">
+            <a:avLst/>
+          </a:prstGeom>
+        </p:spPr>
+      </p:pic>
+      <p:sp>
+        <p:nvSpPr>
+          <p:cNvPr id="7" name="Номер слайда 3">
+            <a:extLst>
+              <a:ext uri="{FF2B5EF4-FFF2-40B4-BE49-F238E27FC236}">
+                <a16:creationId xmlns:a16="http://schemas.microsoft.com/office/drawing/2014/main" id="{5A1742BC-5393-4DA2-A71F-BCF5C4C0D68F}"/>
               </a:ext>
             </a:extLst>
           </p:cNvPr>
@@ -5687,123 +6048,6 @@
           </a:p>
         </p:txBody>
       </p:sp>
-      <p:sp>
-        <p:nvSpPr>
-          <p:cNvPr id="5" name="TextBox 4">
-            <a:extLst>
-              <a:ext uri="{FF2B5EF4-FFF2-40B4-BE49-F238E27FC236}">
-                <a16:creationId xmlns:a16="http://schemas.microsoft.com/office/drawing/2014/main" id="{21457974-9177-4E93-94F3-5D9BF396588D}"/>
-              </a:ext>
-            </a:extLst>
-          </p:cNvPr>
-          <p:cNvSpPr txBox="1"/>
-          <p:nvPr/>
-        </p:nvSpPr>
-        <p:spPr>
-          <a:xfrm>
-            <a:off x="902726" y="1007569"/>
-            <a:ext cx="9144001" cy="1846659"/>
-          </a:xfrm>
-          <a:prstGeom prst="rect">
-            <a:avLst/>
-          </a:prstGeom>
-          <a:noFill/>
-        </p:spPr>
-        <p:txBody>
-          <a:bodyPr wrap="square" rtlCol="0">
-            <a:spAutoFit/>
-          </a:bodyPr>
-          <a:lstStyle/>
-          <a:p>
-            <a:pPr marL="457200" indent="-457200">
-              <a:lnSpc>
-                <a:spcPct val="150000"/>
-              </a:lnSpc>
-              <a:buFont typeface="Arial" panose="020B0604020202020204" pitchFamily="34" charset="0"/>
-              <a:buChar char="•"/>
-            </a:pPr>
-            <a:r>
-              <a:rPr lang="ru-RU" sz="3200" dirty="0"/>
-              <a:t>Источник данных</a:t>
-            </a:r>
-          </a:p>
-          <a:p>
-            <a:pPr marL="457200" indent="-457200">
-              <a:lnSpc>
-                <a:spcPct val="150000"/>
-              </a:lnSpc>
-              <a:buFont typeface="Arial" panose="020B0604020202020204" pitchFamily="34" charset="0"/>
-              <a:buChar char="•"/>
-            </a:pPr>
-            <a:r>
-              <a:rPr lang="ru-RU" sz="3200" dirty="0"/>
-              <a:t>Формат файла для обработки</a:t>
-            </a:r>
-          </a:p>
-          <a:p>
-            <a:endParaRPr lang="ru-RU" dirty="0"/>
-          </a:p>
-        </p:txBody>
-      </p:sp>
-      <p:pic>
-        <p:nvPicPr>
-          <p:cNvPr id="6" name="Рисунок 5">
-            <a:extLst>
-              <a:ext uri="{FF2B5EF4-FFF2-40B4-BE49-F238E27FC236}">
-                <a16:creationId xmlns:a16="http://schemas.microsoft.com/office/drawing/2014/main" id="{1DD71E59-A1AA-453D-94C4-FACE64469E61}"/>
-              </a:ext>
-            </a:extLst>
-          </p:cNvPr>
-          <p:cNvPicPr>
-            <a:picLocks noChangeAspect="1"/>
-          </p:cNvPicPr>
-          <p:nvPr/>
-        </p:nvPicPr>
-        <p:blipFill rotWithShape="1">
-          <a:blip r:embed="rId3"/>
-          <a:srcRect l="10243"/>
-          <a:stretch/>
-        </p:blipFill>
-        <p:spPr>
-          <a:xfrm>
-            <a:off x="8150701" y="768637"/>
-            <a:ext cx="3135720" cy="2118862"/>
-          </a:xfrm>
-          <a:prstGeom prst="rect">
-            <a:avLst/>
-          </a:prstGeom>
-        </p:spPr>
-      </p:pic>
-      <p:pic>
-        <p:nvPicPr>
-          <p:cNvPr id="11" name="Рисунок 10">
-            <a:extLst>
-              <a:ext uri="{FF2B5EF4-FFF2-40B4-BE49-F238E27FC236}">
-                <a16:creationId xmlns:a16="http://schemas.microsoft.com/office/drawing/2014/main" id="{32885D98-A4D2-4F39-B16A-F18A398C54DF}"/>
-              </a:ext>
-            </a:extLst>
-          </p:cNvPr>
-          <p:cNvPicPr>
-            <a:picLocks noChangeAspect="1"/>
-          </p:cNvPicPr>
-          <p:nvPr/>
-        </p:nvPicPr>
-        <p:blipFill>
-          <a:blip r:embed="rId4"/>
-          <a:stretch>
-            <a:fillRect/>
-          </a:stretch>
-        </p:blipFill>
-        <p:spPr>
-          <a:xfrm>
-            <a:off x="1266363" y="2887499"/>
-            <a:ext cx="6597477" cy="3327257"/>
-          </a:xfrm>
-          <a:prstGeom prst="rect">
-            <a:avLst/>
-          </a:prstGeom>
-        </p:spPr>
-      </p:pic>
     </p:spTree>
     <p:extLst>
       <p:ext uri="{BB962C8B-B14F-4D97-AF65-F5344CB8AC3E}">
@@ -6189,6 +6433,48 @@
           </a:prstGeom>
         </p:spPr>
       </p:pic>
+      <p:sp>
+        <p:nvSpPr>
+          <p:cNvPr id="5" name="Номер слайда 3">
+            <a:extLst>
+              <a:ext uri="{FF2B5EF4-FFF2-40B4-BE49-F238E27FC236}">
+                <a16:creationId xmlns:a16="http://schemas.microsoft.com/office/drawing/2014/main" id="{668A4313-42D3-46F5-865E-369C0D463264}"/>
+              </a:ext>
+            </a:extLst>
+          </p:cNvPr>
+          <p:cNvSpPr>
+            <a:spLocks noGrp="1"/>
+          </p:cNvSpPr>
+          <p:nvPr>
+            <p:ph type="sldNum" sz="quarter" idx="12"/>
+          </p:nvPr>
+        </p:nvSpPr>
+        <p:spPr>
+          <a:xfrm>
+            <a:off x="10715299" y="5992340"/>
+            <a:ext cx="1142245" cy="669925"/>
+          </a:xfrm>
+        </p:spPr>
+        <p:txBody>
+          <a:bodyPr/>
+          <a:lstStyle/>
+          <a:p>
+            <a:fld id="{215F4EE3-9A7A-4F14-9A4C-17DDDD407085}" type="slidenum">
+              <a:rPr lang="ru-RU" sz="3200" smtClean="0">
+                <a:solidFill>
+                  <a:schemeClr val="tx1"/>
+                </a:solidFill>
+              </a:rPr>
+              <a:t>6</a:t>
+            </a:fld>
+            <a:endParaRPr lang="ru-RU" sz="3200" dirty="0">
+              <a:solidFill>
+                <a:schemeClr val="tx1"/>
+              </a:solidFill>
+            </a:endParaRPr>
+          </a:p>
+        </p:txBody>
+      </p:sp>
     </p:spTree>
     <p:extLst>
       <p:ext uri="{BB962C8B-B14F-4D97-AF65-F5344CB8AC3E}">
@@ -6319,6 +6605,48 @@
           </a:prstGeom>
         </p:spPr>
       </p:pic>
+      <p:sp>
+        <p:nvSpPr>
+          <p:cNvPr id="5" name="Номер слайда 3">
+            <a:extLst>
+              <a:ext uri="{FF2B5EF4-FFF2-40B4-BE49-F238E27FC236}">
+                <a16:creationId xmlns:a16="http://schemas.microsoft.com/office/drawing/2014/main" id="{7F343B4C-8624-4703-95AD-9942004B84C0}"/>
+              </a:ext>
+            </a:extLst>
+          </p:cNvPr>
+          <p:cNvSpPr>
+            <a:spLocks noGrp="1"/>
+          </p:cNvSpPr>
+          <p:nvPr>
+            <p:ph type="sldNum" sz="quarter" idx="12"/>
+          </p:nvPr>
+        </p:nvSpPr>
+        <p:spPr>
+          <a:xfrm>
+            <a:off x="10715299" y="5992340"/>
+            <a:ext cx="1142245" cy="669925"/>
+          </a:xfrm>
+        </p:spPr>
+        <p:txBody>
+          <a:bodyPr/>
+          <a:lstStyle/>
+          <a:p>
+            <a:fld id="{215F4EE3-9A7A-4F14-9A4C-17DDDD407085}" type="slidenum">
+              <a:rPr lang="ru-RU" sz="3200" smtClean="0">
+                <a:solidFill>
+                  <a:schemeClr val="tx1"/>
+                </a:solidFill>
+              </a:rPr>
+              <a:t>7</a:t>
+            </a:fld>
+            <a:endParaRPr lang="ru-RU" sz="3200" dirty="0">
+              <a:solidFill>
+                <a:schemeClr val="tx1"/>
+              </a:solidFill>
+            </a:endParaRPr>
+          </a:p>
+        </p:txBody>
+      </p:sp>
     </p:spTree>
     <p:extLst>
       <p:ext uri="{BB962C8B-B14F-4D97-AF65-F5344CB8AC3E}">
@@ -6455,6 +6783,48 @@
           </a:prstGeom>
         </p:spPr>
       </p:pic>
+      <p:sp>
+        <p:nvSpPr>
+          <p:cNvPr id="6" name="Номер слайда 3">
+            <a:extLst>
+              <a:ext uri="{FF2B5EF4-FFF2-40B4-BE49-F238E27FC236}">
+                <a16:creationId xmlns:a16="http://schemas.microsoft.com/office/drawing/2014/main" id="{2C0EE092-B8ED-4CF2-8321-FBC486BECA1E}"/>
+              </a:ext>
+            </a:extLst>
+          </p:cNvPr>
+          <p:cNvSpPr>
+            <a:spLocks noGrp="1"/>
+          </p:cNvSpPr>
+          <p:nvPr>
+            <p:ph type="sldNum" sz="quarter" idx="12"/>
+          </p:nvPr>
+        </p:nvSpPr>
+        <p:spPr>
+          <a:xfrm>
+            <a:off x="10715299" y="5992340"/>
+            <a:ext cx="1142245" cy="669925"/>
+          </a:xfrm>
+        </p:spPr>
+        <p:txBody>
+          <a:bodyPr/>
+          <a:lstStyle/>
+          <a:p>
+            <a:fld id="{215F4EE3-9A7A-4F14-9A4C-17DDDD407085}" type="slidenum">
+              <a:rPr lang="ru-RU" sz="3200" smtClean="0">
+                <a:solidFill>
+                  <a:schemeClr val="tx1"/>
+                </a:solidFill>
+              </a:rPr>
+              <a:t>8</a:t>
+            </a:fld>
+            <a:endParaRPr lang="ru-RU" sz="3200" dirty="0">
+              <a:solidFill>
+                <a:schemeClr val="tx1"/>
+              </a:solidFill>
+            </a:endParaRPr>
+          </a:p>
+        </p:txBody>
+      </p:sp>
     </p:spTree>
     <p:extLst>
       <p:ext uri="{BB962C8B-B14F-4D97-AF65-F5344CB8AC3E}">
@@ -6596,6 +6966,48 @@
           </a:prstGeom>
         </p:spPr>
       </p:pic>
+      <p:sp>
+        <p:nvSpPr>
+          <p:cNvPr id="5" name="Номер слайда 3">
+            <a:extLst>
+              <a:ext uri="{FF2B5EF4-FFF2-40B4-BE49-F238E27FC236}">
+                <a16:creationId xmlns:a16="http://schemas.microsoft.com/office/drawing/2014/main" id="{0826DEFB-208E-4011-8E25-3679414248F4}"/>
+              </a:ext>
+            </a:extLst>
+          </p:cNvPr>
+          <p:cNvSpPr>
+            <a:spLocks noGrp="1"/>
+          </p:cNvSpPr>
+          <p:nvPr>
+            <p:ph type="sldNum" sz="quarter" idx="12"/>
+          </p:nvPr>
+        </p:nvSpPr>
+        <p:spPr>
+          <a:xfrm>
+            <a:off x="10715299" y="5992340"/>
+            <a:ext cx="1142245" cy="669925"/>
+          </a:xfrm>
+        </p:spPr>
+        <p:txBody>
+          <a:bodyPr/>
+          <a:lstStyle/>
+          <a:p>
+            <a:fld id="{215F4EE3-9A7A-4F14-9A4C-17DDDD407085}" type="slidenum">
+              <a:rPr lang="ru-RU" sz="3200" smtClean="0">
+                <a:solidFill>
+                  <a:schemeClr val="tx1"/>
+                </a:solidFill>
+              </a:rPr>
+              <a:t>9</a:t>
+            </a:fld>
+            <a:endParaRPr lang="ru-RU" sz="3200" dirty="0">
+              <a:solidFill>
+                <a:schemeClr val="tx1"/>
+              </a:solidFill>
+            </a:endParaRPr>
+          </a:p>
+        </p:txBody>
+      </p:sp>
     </p:spTree>
     <p:extLst>
       <p:ext uri="{BB962C8B-B14F-4D97-AF65-F5344CB8AC3E}">
